--- a/07 AzureActiveDirectory.pptx
+++ b/07 AzureActiveDirectory.pptx
@@ -5,10 +5,10 @@
     <p:sldMasterId id="2147483648" r:id="rId5"/>
   </p:sldMasterIdLst>
   <p:notesMasterIdLst>
-    <p:notesMasterId r:id="rId44"/>
+    <p:notesMasterId r:id="rId43"/>
   </p:notesMasterIdLst>
   <p:handoutMasterIdLst>
-    <p:handoutMasterId r:id="rId45"/>
+    <p:handoutMasterId r:id="rId44"/>
   </p:handoutMasterIdLst>
   <p:sldIdLst>
     <p:sldId id="279" r:id="rId6"/>
@@ -32,23 +32,22 @@
     <p:sldId id="1859" r:id="rId24"/>
     <p:sldId id="1860" r:id="rId25"/>
     <p:sldId id="1861" r:id="rId26"/>
-    <p:sldId id="1870" r:id="rId27"/>
-    <p:sldId id="1871" r:id="rId28"/>
-    <p:sldId id="1862" r:id="rId29"/>
-    <p:sldId id="1865" r:id="rId30"/>
-    <p:sldId id="1866" r:id="rId31"/>
-    <p:sldId id="362" r:id="rId32"/>
-    <p:sldId id="364" r:id="rId33"/>
-    <p:sldId id="385" r:id="rId34"/>
-    <p:sldId id="366" r:id="rId35"/>
-    <p:sldId id="367" r:id="rId36"/>
-    <p:sldId id="384" r:id="rId37"/>
-    <p:sldId id="368" r:id="rId38"/>
-    <p:sldId id="304" r:id="rId39"/>
-    <p:sldId id="285" r:id="rId40"/>
-    <p:sldId id="369" r:id="rId41"/>
-    <p:sldId id="389" r:id="rId42"/>
-    <p:sldId id="386" r:id="rId43"/>
+    <p:sldId id="1871" r:id="rId27"/>
+    <p:sldId id="1862" r:id="rId28"/>
+    <p:sldId id="1865" r:id="rId29"/>
+    <p:sldId id="1866" r:id="rId30"/>
+    <p:sldId id="362" r:id="rId31"/>
+    <p:sldId id="364" r:id="rId32"/>
+    <p:sldId id="385" r:id="rId33"/>
+    <p:sldId id="1870" r:id="rId34"/>
+    <p:sldId id="367" r:id="rId35"/>
+    <p:sldId id="384" r:id="rId36"/>
+    <p:sldId id="368" r:id="rId37"/>
+    <p:sldId id="304" r:id="rId38"/>
+    <p:sldId id="285" r:id="rId39"/>
+    <p:sldId id="369" r:id="rId40"/>
+    <p:sldId id="389" r:id="rId41"/>
+    <p:sldId id="386" r:id="rId42"/>
   </p:sldIdLst>
   <p:sldSz cx="9144000" cy="6858000" type="screen4x3"/>
   <p:notesSz cx="7315200" cy="9601200"/>
@@ -7033,182 +7032,6 @@
       </p:grpSpPr>
       <p:sp>
         <p:nvSpPr>
-          <p:cNvPr id="43010" name="Title 1"/>
-          <p:cNvSpPr>
-            <a:spLocks noGrp="1"/>
-          </p:cNvSpPr>
-          <p:nvPr>
-            <p:ph type="title"/>
-          </p:nvPr>
-        </p:nvSpPr>
-        <p:spPr/>
-        <p:txBody>
-          <a:bodyPr/>
-          <a:lstStyle/>
-          <a:p>
-            <a:r>
-              <a:rPr lang="en-US" altLang="en-US"/>
-              <a:t>ADAL for .NET</a:t>
-            </a:r>
-          </a:p>
-        </p:txBody>
-      </p:sp>
-      <p:sp>
-        <p:nvSpPr>
-          <p:cNvPr id="3" name="Content Placeholder 2"/>
-          <p:cNvSpPr>
-            <a:spLocks noGrp="1"/>
-          </p:cNvSpPr>
-          <p:nvPr>
-            <p:ph type="body" sz="quarter" idx="10"/>
-          </p:nvPr>
-        </p:nvSpPr>
-        <p:spPr/>
-        <p:txBody>
-          <a:bodyPr>
-            <a:noAutofit/>
-          </a:bodyPr>
-          <a:lstStyle/>
-          <a:p>
-            <a:r>
-              <a:rPr lang="en-US" sz="2400" dirty="0"/>
-              <a:t>Active Directory Authentication Library for .NET</a:t>
-            </a:r>
-          </a:p>
-          <a:p>
-            <a:pPr lvl="1"/>
-            <a:r>
-              <a:rPr lang="en-US" sz="2000" dirty="0"/>
-              <a:t>Used in Native Clients and in Web Clients</a:t>
-            </a:r>
-          </a:p>
-          <a:p>
-            <a:pPr lvl="1"/>
-            <a:r>
-              <a:rPr lang="en-US" sz="2000" dirty="0"/>
-              <a:t>Handles authentication flow behind the scenes</a:t>
-            </a:r>
-          </a:p>
-          <a:p>
-            <a:pPr lvl="1"/>
-            <a:r>
-              <a:rPr lang="en-US" sz="2000" dirty="0"/>
-              <a:t>Provides caching for access tokens and refresh tokens</a:t>
-            </a:r>
-          </a:p>
-          <a:p>
-            <a:pPr lvl="1"/>
-            <a:endParaRPr lang="en-US" sz="2000" dirty="0"/>
-          </a:p>
-          <a:p>
-            <a:pPr lvl="1"/>
-            <a:endParaRPr lang="en-US" sz="2000" dirty="0"/>
-          </a:p>
-          <a:p>
-            <a:pPr lvl="1"/>
-            <a:endParaRPr lang="en-US" sz="2000" dirty="0"/>
-          </a:p>
-          <a:p>
-            <a:pPr lvl="1"/>
-            <a:endParaRPr lang="en-US" sz="2000" dirty="0"/>
-          </a:p>
-          <a:p>
-            <a:pPr lvl="1"/>
-            <a:endParaRPr lang="en-US" sz="2000" dirty="0"/>
-          </a:p>
-          <a:p>
-            <a:r>
-              <a:rPr lang="en-US" sz="2400" dirty="0"/>
-              <a:t>ADAL .NET installs as a NuGet Package</a:t>
-            </a:r>
-          </a:p>
-          <a:p>
-            <a:pPr lvl="1"/>
-            <a:r>
-              <a:rPr lang="en-US" sz="2000" dirty="0"/>
-              <a:t>Package name is </a:t>
-            </a:r>
-            <a:r>
-              <a:rPr lang="en-US" sz="1600" b="1" dirty="0" err="1"/>
-              <a:t>Microsoft.IdentityModel.Clients.ActiveDirectory</a:t>
-            </a:r>
-            <a:endParaRPr lang="en-US" sz="2000" b="1" dirty="0"/>
-          </a:p>
-        </p:txBody>
-      </p:sp>
-      <p:pic>
-        <p:nvPicPr>
-          <p:cNvPr id="2" name="Picture 1">
-            <a:extLst>
-              <a:ext uri="{FF2B5EF4-FFF2-40B4-BE49-F238E27FC236}">
-                <a16:creationId xmlns:a16="http://schemas.microsoft.com/office/drawing/2014/main" id="{C986D405-145D-4A3D-A863-5300B1E65F44}"/>
-              </a:ext>
-            </a:extLst>
-          </p:cNvPr>
-          <p:cNvPicPr>
-            <a:picLocks noChangeAspect="1"/>
-          </p:cNvPicPr>
-          <p:nvPr/>
-        </p:nvPicPr>
-        <p:blipFill>
-          <a:blip r:embed="rId2"/>
-          <a:stretch>
-            <a:fillRect/>
-          </a:stretch>
-        </p:blipFill>
-        <p:spPr>
-          <a:xfrm>
-            <a:off x="1219200" y="2895600"/>
-            <a:ext cx="6081709" cy="1448828"/>
-          </a:xfrm>
-          <a:prstGeom prst="rect">
-            <a:avLst/>
-          </a:prstGeom>
-          <a:ln>
-            <a:solidFill>
-              <a:schemeClr val="tx1">
-                <a:lumMod val="50000"/>
-                <a:lumOff val="50000"/>
-              </a:schemeClr>
-            </a:solidFill>
-          </a:ln>
-        </p:spPr>
-      </p:pic>
-    </p:spTree>
-    <p:extLst>
-      <p:ext uri="{BB962C8B-B14F-4D97-AF65-F5344CB8AC3E}">
-        <p14:creationId xmlns:p14="http://schemas.microsoft.com/office/powerpoint/2010/main" val="1342884813"/>
-      </p:ext>
-    </p:extLst>
-  </p:cSld>
-  <p:clrMapOvr>
-    <a:masterClrMapping/>
-  </p:clrMapOvr>
-  <p:transition>
-    <p:fade/>
-  </p:transition>
-</p:sld>
-</file>
-
-<file path=ppt/slides/slide23.xml><?xml version="1.0" encoding="utf-8"?>
-<p:sld xmlns:a="http://schemas.openxmlformats.org/drawingml/2006/main" xmlns:r="http://schemas.openxmlformats.org/officeDocument/2006/relationships" xmlns:p="http://schemas.openxmlformats.org/presentationml/2006/main">
-  <p:cSld>
-    <p:spTree>
-      <p:nvGrpSpPr>
-        <p:cNvPr id="1" name=""/>
-        <p:cNvGrpSpPr/>
-        <p:nvPr/>
-      </p:nvGrpSpPr>
-      <p:grpSpPr>
-        <a:xfrm>
-          <a:off x="0" y="0"/>
-          <a:ext cx="0" cy="0"/>
-          <a:chOff x="0" y="0"/>
-          <a:chExt cx="0" cy="0"/>
-        </a:xfrm>
-      </p:grpSpPr>
-      <p:sp>
-        <p:nvSpPr>
           <p:cNvPr id="2" name="Title 1">
             <a:extLst>
               <a:ext uri="{FF2B5EF4-FFF2-40B4-BE49-F238E27FC236}">
@@ -7387,7 +7210,7 @@
 </p:sld>
 </file>
 
-<file path=ppt/slides/slide24.xml><?xml version="1.0" encoding="utf-8"?>
+<file path=ppt/slides/slide23.xml><?xml version="1.0" encoding="utf-8"?>
 <p:sld xmlns:a="http://schemas.openxmlformats.org/drawingml/2006/main" xmlns:r="http://schemas.openxmlformats.org/officeDocument/2006/relationships" xmlns:p="http://schemas.openxmlformats.org/presentationml/2006/main">
   <p:cSld>
     <p:spTree>
@@ -7601,7 +7424,7 @@
 </p:sld>
 </file>
 
-<file path=ppt/slides/slide25.xml><?xml version="1.0" encoding="utf-8"?>
+<file path=ppt/slides/slide24.xml><?xml version="1.0" encoding="utf-8"?>
 <p:sld xmlns:a="http://schemas.openxmlformats.org/drawingml/2006/main" xmlns:r="http://schemas.openxmlformats.org/officeDocument/2006/relationships" xmlns:p="http://schemas.openxmlformats.org/presentationml/2006/main">
   <p:cSld>
     <p:spTree>
@@ -7749,7 +7572,7 @@
 </p:sld>
 </file>
 
-<file path=ppt/slides/slide26.xml><?xml version="1.0" encoding="utf-8"?>
+<file path=ppt/slides/slide25.xml><?xml version="1.0" encoding="utf-8"?>
 <p:sld xmlns:a="http://schemas.openxmlformats.org/drawingml/2006/main" xmlns:r="http://schemas.openxmlformats.org/officeDocument/2006/relationships" xmlns:p="http://schemas.openxmlformats.org/presentationml/2006/main">
   <p:cSld>
     <p:spTree>
@@ -7966,7 +7789,7 @@
 </p:sld>
 </file>
 
-<file path=ppt/slides/slide27.xml><?xml version="1.0" encoding="utf-8"?>
+<file path=ppt/slides/slide26.xml><?xml version="1.0" encoding="utf-8"?>
 <p:sld xmlns:a="http://schemas.openxmlformats.org/drawingml/2006/main" xmlns:r="http://schemas.openxmlformats.org/officeDocument/2006/relationships" xmlns:p="http://schemas.openxmlformats.org/presentationml/2006/main">
   <p:cSld>
     <p:spTree>
@@ -8108,7 +7931,7 @@
 </p:sld>
 </file>
 
-<file path=ppt/slides/slide28.xml><?xml version="1.0" encoding="utf-8"?>
+<file path=ppt/slides/slide27.xml><?xml version="1.0" encoding="utf-8"?>
 <p:sld xmlns:a="http://schemas.openxmlformats.org/drawingml/2006/main" xmlns:r="http://schemas.openxmlformats.org/officeDocument/2006/relationships" xmlns:p="http://schemas.openxmlformats.org/presentationml/2006/main">
   <p:cSld>
     <p:spTree>
@@ -8194,7 +8017,7 @@
 </p:sld>
 </file>
 
-<file path=ppt/slides/slide29.xml><?xml version="1.0" encoding="utf-8"?>
+<file path=ppt/slides/slide28.xml><?xml version="1.0" encoding="utf-8"?>
 <p:sld xmlns:a="http://schemas.openxmlformats.org/drawingml/2006/main" xmlns:r="http://schemas.openxmlformats.org/officeDocument/2006/relationships" xmlns:p="http://schemas.openxmlformats.org/presentationml/2006/main">
   <p:cSld>
     <p:spTree>
@@ -8305,6 +8128,182 @@
   <p:clrMapOvr>
     <a:masterClrMapping/>
   </p:clrMapOvr>
+</p:sld>
+</file>
+
+<file path=ppt/slides/slide29.xml><?xml version="1.0" encoding="utf-8"?>
+<p:sld xmlns:a="http://schemas.openxmlformats.org/drawingml/2006/main" xmlns:r="http://schemas.openxmlformats.org/officeDocument/2006/relationships" xmlns:p="http://schemas.openxmlformats.org/presentationml/2006/main">
+  <p:cSld>
+    <p:spTree>
+      <p:nvGrpSpPr>
+        <p:cNvPr id="1" name=""/>
+        <p:cNvGrpSpPr/>
+        <p:nvPr/>
+      </p:nvGrpSpPr>
+      <p:grpSpPr>
+        <a:xfrm>
+          <a:off x="0" y="0"/>
+          <a:ext cx="0" cy="0"/>
+          <a:chOff x="0" y="0"/>
+          <a:chExt cx="0" cy="0"/>
+        </a:xfrm>
+      </p:grpSpPr>
+      <p:sp>
+        <p:nvSpPr>
+          <p:cNvPr id="43010" name="Title 1"/>
+          <p:cNvSpPr>
+            <a:spLocks noGrp="1"/>
+          </p:cNvSpPr>
+          <p:nvPr>
+            <p:ph type="title"/>
+          </p:nvPr>
+        </p:nvSpPr>
+        <p:spPr/>
+        <p:txBody>
+          <a:bodyPr/>
+          <a:lstStyle/>
+          <a:p>
+            <a:r>
+              <a:rPr lang="en-US" altLang="en-US"/>
+              <a:t>ADAL for .NET</a:t>
+            </a:r>
+          </a:p>
+        </p:txBody>
+      </p:sp>
+      <p:sp>
+        <p:nvSpPr>
+          <p:cNvPr id="3" name="Content Placeholder 2"/>
+          <p:cNvSpPr>
+            <a:spLocks noGrp="1"/>
+          </p:cNvSpPr>
+          <p:nvPr>
+            <p:ph type="body" sz="quarter" idx="10"/>
+          </p:nvPr>
+        </p:nvSpPr>
+        <p:spPr/>
+        <p:txBody>
+          <a:bodyPr>
+            <a:noAutofit/>
+          </a:bodyPr>
+          <a:lstStyle/>
+          <a:p>
+            <a:r>
+              <a:rPr lang="en-US" sz="2400" dirty="0"/>
+              <a:t>Active Directory Authentication Library for .NET</a:t>
+            </a:r>
+          </a:p>
+          <a:p>
+            <a:pPr lvl="1"/>
+            <a:r>
+              <a:rPr lang="en-US" sz="2000" dirty="0"/>
+              <a:t>Used in Native Clients and in Web Clients</a:t>
+            </a:r>
+          </a:p>
+          <a:p>
+            <a:pPr lvl="1"/>
+            <a:r>
+              <a:rPr lang="en-US" sz="2000" dirty="0"/>
+              <a:t>Handles authentication flow behind the scenes</a:t>
+            </a:r>
+          </a:p>
+          <a:p>
+            <a:pPr lvl="1"/>
+            <a:r>
+              <a:rPr lang="en-US" sz="2000" dirty="0"/>
+              <a:t>Provides caching for access tokens and refresh tokens</a:t>
+            </a:r>
+          </a:p>
+          <a:p>
+            <a:pPr lvl="1"/>
+            <a:endParaRPr lang="en-US" sz="2000" dirty="0"/>
+          </a:p>
+          <a:p>
+            <a:pPr lvl="1"/>
+            <a:endParaRPr lang="en-US" sz="2000" dirty="0"/>
+          </a:p>
+          <a:p>
+            <a:pPr lvl="1"/>
+            <a:endParaRPr lang="en-US" sz="2000" dirty="0"/>
+          </a:p>
+          <a:p>
+            <a:pPr lvl="1"/>
+            <a:endParaRPr lang="en-US" sz="2000" dirty="0"/>
+          </a:p>
+          <a:p>
+            <a:pPr lvl="1"/>
+            <a:endParaRPr lang="en-US" sz="2000" dirty="0"/>
+          </a:p>
+          <a:p>
+            <a:r>
+              <a:rPr lang="en-US" sz="2400" dirty="0"/>
+              <a:t>ADAL .NET installs as a NuGet Package</a:t>
+            </a:r>
+          </a:p>
+          <a:p>
+            <a:pPr lvl="1"/>
+            <a:r>
+              <a:rPr lang="en-US" sz="2000" dirty="0"/>
+              <a:t>Package name is </a:t>
+            </a:r>
+            <a:r>
+              <a:rPr lang="en-US" sz="1600" b="1" dirty="0" err="1"/>
+              <a:t>Microsoft.IdentityModel.Clients.ActiveDirectory</a:t>
+            </a:r>
+            <a:endParaRPr lang="en-US" sz="2000" b="1" dirty="0"/>
+          </a:p>
+        </p:txBody>
+      </p:sp>
+      <p:pic>
+        <p:nvPicPr>
+          <p:cNvPr id="2" name="Picture 1">
+            <a:extLst>
+              <a:ext uri="{FF2B5EF4-FFF2-40B4-BE49-F238E27FC236}">
+                <a16:creationId xmlns:a16="http://schemas.microsoft.com/office/drawing/2014/main" id="{C986D405-145D-4A3D-A863-5300B1E65F44}"/>
+              </a:ext>
+            </a:extLst>
+          </p:cNvPr>
+          <p:cNvPicPr>
+            <a:picLocks noChangeAspect="1"/>
+          </p:cNvPicPr>
+          <p:nvPr/>
+        </p:nvPicPr>
+        <p:blipFill>
+          <a:blip r:embed="rId2"/>
+          <a:stretch>
+            <a:fillRect/>
+          </a:stretch>
+        </p:blipFill>
+        <p:spPr>
+          <a:xfrm>
+            <a:off x="1219200" y="2895600"/>
+            <a:ext cx="6081709" cy="1448828"/>
+          </a:xfrm>
+          <a:prstGeom prst="rect">
+            <a:avLst/>
+          </a:prstGeom>
+          <a:ln>
+            <a:solidFill>
+              <a:schemeClr val="tx1">
+                <a:lumMod val="50000"/>
+                <a:lumOff val="50000"/>
+              </a:schemeClr>
+            </a:solidFill>
+          </a:ln>
+        </p:spPr>
+      </p:pic>
+    </p:spTree>
+    <p:extLst>
+      <p:ext uri="{BB962C8B-B14F-4D97-AF65-F5344CB8AC3E}">
+        <p14:creationId xmlns:p14="http://schemas.microsoft.com/office/powerpoint/2010/main" val="4099954144"/>
+      </p:ext>
+    </p:extLst>
+  </p:cSld>
+  <p:clrMapOvr>
+    <a:masterClrMapping/>
+  </p:clrMapOvr>
+  <p:transition>
+    <p:fade/>
+  </p:transition>
 </p:sld>
 </file>
 
@@ -8821,194 +8820,6 @@
       </p:grpSpPr>
       <p:sp>
         <p:nvSpPr>
-          <p:cNvPr id="43010" name="Title 1"/>
-          <p:cNvSpPr>
-            <a:spLocks noGrp="1"/>
-          </p:cNvSpPr>
-          <p:nvPr>
-            <p:ph type="title"/>
-          </p:nvPr>
-        </p:nvSpPr>
-        <p:spPr/>
-        <p:txBody>
-          <a:bodyPr/>
-          <a:lstStyle/>
-          <a:p>
-            <a:r>
-              <a:rPr lang="en-US" altLang="en-US"/>
-              <a:t>ADAL for .NET</a:t>
-            </a:r>
-          </a:p>
-        </p:txBody>
-      </p:sp>
-      <p:sp>
-        <p:nvSpPr>
-          <p:cNvPr id="3" name="Content Placeholder 2"/>
-          <p:cNvSpPr>
-            <a:spLocks noGrp="1"/>
-          </p:cNvSpPr>
-          <p:nvPr>
-            <p:ph idx="1"/>
-          </p:nvPr>
-        </p:nvSpPr>
-        <p:spPr/>
-        <p:txBody>
-          <a:bodyPr/>
-          <a:lstStyle/>
-          <a:p>
-            <a:pPr>
-              <a:defRPr/>
-            </a:pPr>
-            <a:r>
-              <a:rPr lang="en-US" sz="2600" dirty="0"/>
-              <a:t>Active Directory Authentication Library for .NET</a:t>
-            </a:r>
-          </a:p>
-          <a:p>
-            <a:pPr lvl="1">
-              <a:defRPr/>
-            </a:pPr>
-            <a:r>
-              <a:rPr lang="en-US" sz="2200" dirty="0"/>
-              <a:t>Used in Native Clients and in Web Clients</a:t>
-            </a:r>
-          </a:p>
-          <a:p>
-            <a:pPr lvl="1">
-              <a:defRPr/>
-            </a:pPr>
-            <a:r>
-              <a:rPr lang="en-US" sz="2200" dirty="0"/>
-              <a:t>Handles authentication flow behind the scenes</a:t>
-            </a:r>
-          </a:p>
-          <a:p>
-            <a:pPr lvl="1">
-              <a:defRPr/>
-            </a:pPr>
-            <a:r>
-              <a:rPr lang="en-US" sz="2200" dirty="0"/>
-              <a:t>Provides token cache</a:t>
-            </a:r>
-          </a:p>
-          <a:p>
-            <a:pPr lvl="1">
-              <a:defRPr/>
-            </a:pPr>
-            <a:endParaRPr lang="en-US" sz="2200" dirty="0"/>
-          </a:p>
-          <a:p>
-            <a:pPr lvl="1">
-              <a:defRPr/>
-            </a:pPr>
-            <a:endParaRPr lang="en-US" sz="2200" dirty="0"/>
-          </a:p>
-          <a:p>
-            <a:pPr lvl="1">
-              <a:defRPr/>
-            </a:pPr>
-            <a:endParaRPr lang="en-US" sz="2200" dirty="0"/>
-          </a:p>
-          <a:p>
-            <a:pPr>
-              <a:defRPr/>
-            </a:pPr>
-            <a:r>
-              <a:rPr lang="en-US" sz="2600" dirty="0"/>
-              <a:t>ADAL .NET installs as a </a:t>
-            </a:r>
-            <a:r>
-              <a:rPr lang="en-US" sz="2600" dirty="0" err="1"/>
-              <a:t>NuGet</a:t>
-            </a:r>
-            <a:r>
-              <a:rPr lang="en-US" sz="2600" dirty="0"/>
-              <a:t> Package</a:t>
-            </a:r>
-          </a:p>
-          <a:p>
-            <a:pPr lvl="1">
-              <a:defRPr/>
-            </a:pPr>
-            <a:r>
-              <a:rPr lang="en-US" sz="2200" dirty="0"/>
-              <a:t>Version 2.x is latest stable version</a:t>
-            </a:r>
-          </a:p>
-          <a:p>
-            <a:pPr lvl="1">
-              <a:defRPr/>
-            </a:pPr>
-            <a:r>
-              <a:rPr lang="en-US" sz="2200" dirty="0"/>
-              <a:t>Version 3.x is in prerelease</a:t>
-            </a:r>
-          </a:p>
-        </p:txBody>
-      </p:sp>
-      <p:pic>
-        <p:nvPicPr>
-          <p:cNvPr id="5" name="Picture 4"/>
-          <p:cNvPicPr>
-            <a:picLocks noChangeAspect="1"/>
-          </p:cNvPicPr>
-          <p:nvPr/>
-        </p:nvPicPr>
-        <p:blipFill>
-          <a:blip r:embed="rId2"/>
-          <a:stretch>
-            <a:fillRect/>
-          </a:stretch>
-        </p:blipFill>
-        <p:spPr>
-          <a:xfrm>
-            <a:off x="609600" y="3581400"/>
-            <a:ext cx="7924800" cy="656261"/>
-          </a:xfrm>
-          <a:prstGeom prst="rect">
-            <a:avLst/>
-          </a:prstGeom>
-          <a:ln>
-            <a:solidFill>
-              <a:schemeClr val="bg1">
-                <a:lumMod val="50000"/>
-              </a:schemeClr>
-            </a:solidFill>
-          </a:ln>
-        </p:spPr>
-      </p:pic>
-    </p:spTree>
-    <p:extLst>
-      <p:ext uri="{BB962C8B-B14F-4D97-AF65-F5344CB8AC3E}">
-        <p14:creationId xmlns:p14="http://schemas.microsoft.com/office/powerpoint/2010/main" val="493496144"/>
-      </p:ext>
-    </p:extLst>
-  </p:cSld>
-  <p:clrMapOvr>
-    <a:masterClrMapping/>
-  </p:clrMapOvr>
-</p:sld>
-</file>
-
-<file path=ppt/slides/slide31.xml><?xml version="1.0" encoding="utf-8"?>
-<p:sld xmlns:a="http://schemas.openxmlformats.org/drawingml/2006/main" xmlns:r="http://schemas.openxmlformats.org/officeDocument/2006/relationships" xmlns:p="http://schemas.openxmlformats.org/presentationml/2006/main">
-  <p:cSld>
-    <p:spTree>
-      <p:nvGrpSpPr>
-        <p:cNvPr id="1" name=""/>
-        <p:cNvGrpSpPr/>
-        <p:nvPr/>
-      </p:nvGrpSpPr>
-      <p:grpSpPr>
-        <a:xfrm>
-          <a:off x="0" y="0"/>
-          <a:ext cx="0" cy="0"/>
-          <a:chOff x="0" y="0"/>
-          <a:chExt cx="0" cy="0"/>
-        </a:xfrm>
-      </p:grpSpPr>
-      <p:sp>
-        <p:nvSpPr>
           <p:cNvPr id="44034" name="Title 1"/>
           <p:cNvSpPr>
             <a:spLocks noGrp="1"/>
@@ -9076,7 +8887,7 @@
 </p:sld>
 </file>
 
-<file path=ppt/slides/slide32.xml><?xml version="1.0" encoding="utf-8"?>
+<file path=ppt/slides/slide31.xml><?xml version="1.0" encoding="utf-8"?>
 <p:sld xmlns:a="http://schemas.openxmlformats.org/drawingml/2006/main" xmlns:r="http://schemas.openxmlformats.org/officeDocument/2006/relationships" xmlns:p="http://schemas.openxmlformats.org/presentationml/2006/main">
   <p:cSld>
     <p:spTree>
@@ -9194,7 +9005,7 @@
 </p:sld>
 </file>
 
-<file path=ppt/slides/slide33.xml><?xml version="1.0" encoding="utf-8"?>
+<file path=ppt/slides/slide32.xml><?xml version="1.0" encoding="utf-8"?>
 <p:sld xmlns:a="http://schemas.openxmlformats.org/drawingml/2006/main" xmlns:r="http://schemas.openxmlformats.org/officeDocument/2006/relationships" xmlns:p="http://schemas.openxmlformats.org/presentationml/2006/main">
   <p:cSld>
     <p:spTree>
@@ -9227,8 +9038,8 @@
           <a:lstStyle/>
           <a:p>
             <a:r>
-              <a:rPr lang="en-US" altLang="en-US"/>
-              <a:t>Authentication Code Flow</a:t>
+              <a:rPr lang="en-US" altLang="en-US" dirty="0"/>
+              <a:t>Authorization Code Grant Flow</a:t>
             </a:r>
           </a:p>
         </p:txBody>
@@ -9249,58 +9060,61 @@
           <a:lstStyle/>
           <a:p>
             <a:r>
-              <a:rPr lang="en-US"/>
+              <a:rPr lang="en-US" dirty="0"/>
               <a:t>Provides Highest Levels of Security</a:t>
             </a:r>
           </a:p>
           <a:p>
             <a:pPr lvl="1"/>
             <a:r>
-              <a:rPr lang="en-US"/>
+              <a:rPr lang="en-US" dirty="0"/>
               <a:t>User credentials never seen by client</a:t>
             </a:r>
           </a:p>
           <a:p>
             <a:pPr lvl="1"/>
             <a:r>
-              <a:rPr lang="en-US"/>
+              <a:rPr lang="en-US" dirty="0"/>
               <a:t>Access token passed to client with Reply URL</a:t>
             </a:r>
           </a:p>
           <a:p>
             <a:pPr lvl="1"/>
             <a:r>
-              <a:rPr lang="en-US"/>
+              <a:rPr lang="en-US" dirty="0"/>
               <a:t>Access token not passed through user agent</a:t>
             </a:r>
           </a:p>
           <a:p>
-            <a:r>
-              <a:rPr lang="en-US"/>
+            <a:pPr lvl="1"/>
+            <a:endParaRPr lang="en-US" dirty="0"/>
+          </a:p>
+          <a:p>
+            <a:r>
+              <a:rPr lang="en-US" dirty="0"/>
               <a:t>Refresh tokens used to get new access tokens</a:t>
             </a:r>
           </a:p>
           <a:p>
             <a:pPr lvl="1"/>
             <a:r>
-              <a:rPr lang="en-US"/>
+              <a:rPr lang="en-US" dirty="0"/>
               <a:t>Access token lifetime is about 1 hour</a:t>
             </a:r>
           </a:p>
           <a:p>
             <a:pPr lvl="1"/>
             <a:r>
-              <a:rPr lang="en-US"/>
+              <a:rPr lang="en-US" dirty="0"/>
               <a:t>Refresh token lifetime is 14 days</a:t>
             </a:r>
           </a:p>
           <a:p>
             <a:pPr lvl="1"/>
             <a:r>
-              <a:rPr lang="en-US"/>
+              <a:rPr lang="en-US" dirty="0"/>
               <a:t>AAD supports multi-resource refresh tokens (MRRTs)</a:t>
             </a:r>
-            <a:endParaRPr lang="en-US" dirty="0"/>
           </a:p>
         </p:txBody>
       </p:sp>
@@ -9317,7 +9131,7 @@
 </p:sld>
 </file>
 
-<file path=ppt/slides/slide34.xml><?xml version="1.0" encoding="utf-8"?>
+<file path=ppt/slides/slide33.xml><?xml version="1.0" encoding="utf-8"?>
 <p:sld xmlns:a="http://schemas.openxmlformats.org/drawingml/2006/main" xmlns:r="http://schemas.openxmlformats.org/officeDocument/2006/relationships" xmlns:p="http://schemas.openxmlformats.org/presentationml/2006/main">
   <p:cSld>
     <p:spTree>
@@ -9495,47 +9309,6 @@
                   <a:schemeClr val="tx2"/>
                 </a:solidFill>
               </a:rPr>
-              <a:t>Application ID URI</a:t>
-            </a:r>
-          </a:p>
-          <a:p>
-            <a:pPr lvl="1"/>
-            <a:r>
-              <a:rPr lang="en-US" sz="1600" dirty="0"/>
-              <a:t>String-based identifier for an application – </a:t>
-            </a:r>
-            <a:r>
-              <a:rPr lang="en-US" sz="1600" i="1" dirty="0"/>
-              <a:t>not a retrievable URL</a:t>
-            </a:r>
-          </a:p>
-          <a:p>
-            <a:pPr lvl="1"/>
-            <a:r>
-              <a:rPr lang="en-US" sz="1200" b="1" dirty="0">
-                <a:solidFill>
-                  <a:schemeClr val="accent3">
-                    <a:lumMod val="50000"/>
-                  </a:schemeClr>
-                </a:solidFill>
-              </a:rPr>
-              <a:t>https://sharepointconfessions.onmicrosoft.com/HelloWorldApp</a:t>
-            </a:r>
-            <a:endParaRPr lang="en-US" sz="1600" b="1" dirty="0">
-              <a:solidFill>
-                <a:schemeClr val="accent3">
-                  <a:lumMod val="50000"/>
-                </a:schemeClr>
-              </a:solidFill>
-            </a:endParaRPr>
-          </a:p>
-          <a:p>
-            <a:r>
-              <a:rPr lang="en-US" sz="1800" b="1" dirty="0">
-                <a:solidFill>
-                  <a:schemeClr val="tx2"/>
-                </a:solidFill>
-              </a:rPr>
               <a:t>Client ID</a:t>
             </a:r>
           </a:p>
@@ -9618,7 +9391,7 @@
 </p:sld>
 </file>
 
-<file path=ppt/slides/slide35.xml><?xml version="1.0" encoding="utf-8"?>
+<file path=ppt/slides/slide34.xml><?xml version="1.0" encoding="utf-8"?>
 <p:sld xmlns:a="http://schemas.openxmlformats.org/drawingml/2006/main" xmlns:r="http://schemas.openxmlformats.org/officeDocument/2006/relationships" xmlns:p="http://schemas.openxmlformats.org/presentationml/2006/main">
   <p:cSld>
     <p:spTree>
@@ -10761,8 +10534,8 @@
         </p:nvSpPr>
         <p:spPr>
           <a:xfrm>
-            <a:off x="7180431" y="6434391"/>
-            <a:ext cx="1277769" cy="386469"/>
+            <a:off x="6957857" y="6434391"/>
+            <a:ext cx="1722927" cy="441932"/>
           </a:xfrm>
           <a:prstGeom prst="rect">
             <a:avLst/>
@@ -10879,7 +10652,7 @@
             </a:pPr>
             <a:r>
               <a:rPr lang="en-US" sz="1100" b="1" dirty="0"/>
-              <a:t>Office 365 API</a:t>
+              <a:t>Microsoft Graph API</a:t>
             </a:r>
           </a:p>
         </p:txBody>
@@ -11508,7 +11281,7 @@
         <p:spPr>
           <a:xfrm>
             <a:off x="992969" y="4726870"/>
-            <a:ext cx="5044349" cy="428082"/>
+            <a:ext cx="5188619" cy="428082"/>
           </a:xfrm>
           <a:prstGeom prst="rect">
             <a:avLst/>
@@ -11625,7 +11398,15 @@
             </a:pPr>
             <a:r>
               <a:rPr lang="en-US" sz="1000" b="1" dirty="0"/>
-              <a:t>Redeem authorization code and acquire access token for Office 365 resource</a:t>
+              <a:t>Pass authorization </a:t>
+            </a:r>
+            <a:r>
+              <a:rPr lang="en-US" sz="1000" b="1"/>
+              <a:t>code to acquire </a:t>
+            </a:r>
+            <a:r>
+              <a:rPr lang="en-US" sz="1000" b="1" dirty="0"/>
+              <a:t>access token for Microsoft Graph resource</a:t>
             </a:r>
           </a:p>
         </p:txBody>
@@ -11938,7 +11719,7 @@
         <p:spPr>
           <a:xfrm>
             <a:off x="1006707" y="5488805"/>
-            <a:ext cx="2928385" cy="428082"/>
+            <a:ext cx="3308296" cy="428082"/>
           </a:xfrm>
           <a:prstGeom prst="rect">
             <a:avLst/>
@@ -12055,7 +11836,7 @@
             </a:pPr>
             <a:r>
               <a:rPr lang="en-US" sz="1000" b="1" dirty="0"/>
-              <a:t>Call Office 365 API using the access token</a:t>
+              <a:t>Call Microsoft Graph API using the access token</a:t>
             </a:r>
           </a:p>
         </p:txBody>
@@ -12800,7 +12581,7 @@
 </p:sld>
 </file>
 
-<file path=ppt/slides/slide36.xml><?xml version="1.0" encoding="utf-8"?>
+<file path=ppt/slides/slide35.xml><?xml version="1.0" encoding="utf-8"?>
 <p:sld xmlns:a="http://schemas.openxmlformats.org/drawingml/2006/main" xmlns:r="http://schemas.openxmlformats.org/officeDocument/2006/relationships" xmlns:p="http://schemas.openxmlformats.org/presentationml/2006/main">
   <p:cSld>
     <p:spTree>
@@ -12886,7 +12667,7 @@
 </p:sld>
 </file>
 
-<file path=ppt/slides/slide37.xml><?xml version="1.0" encoding="utf-8"?>
+<file path=ppt/slides/slide36.xml><?xml version="1.0" encoding="utf-8"?>
 <p:sld xmlns:a="http://schemas.openxmlformats.org/drawingml/2006/main" xmlns:r="http://schemas.openxmlformats.org/officeDocument/2006/relationships" xmlns:p="http://schemas.openxmlformats.org/presentationml/2006/main">
   <p:cSld>
     <p:spTree>
@@ -14131,7 +13912,7 @@
 </p:sld>
 </file>
 
-<file path=ppt/slides/slide38.xml><?xml version="1.0" encoding="utf-8"?>
+<file path=ppt/slides/slide37.xml><?xml version="1.0" encoding="utf-8"?>
 <p:sld xmlns:a="http://schemas.openxmlformats.org/drawingml/2006/main" xmlns:r="http://schemas.openxmlformats.org/officeDocument/2006/relationships" xmlns:p="http://schemas.openxmlformats.org/presentationml/2006/main">
   <p:cSld>
     <p:spTree>
@@ -18179,154 +17960,6 @@
 </file>
 
 <file path=customXml/item1.xml><?xml version="1.0" encoding="utf-8"?>
-<ct:contentTypeSchema xmlns:ct="http://schemas.microsoft.com/office/2006/metadata/contentType" xmlns:ma="http://schemas.microsoft.com/office/2006/metadata/properties/metaAttributes" ct:_="" ma:_="" ma:contentTypeName="Document" ma:contentTypeID="0x010100BAF5C66E64744B4EBDF83E18D5BE3570" ma:contentTypeVersion="2" ma:contentTypeDescription="Create a new document." ma:contentTypeScope="" ma:versionID="8194b865fee850dbf0034213c33a0c27">
-  <xsd:schema xmlns:xsd="http://www.w3.org/2001/XMLSchema" xmlns:xs="http://www.w3.org/2001/XMLSchema" xmlns:p="http://schemas.microsoft.com/office/2006/metadata/properties" xmlns:ns2="7c797a3d-03eb-4d3c-be85-16d2b083e41f" targetNamespace="http://schemas.microsoft.com/office/2006/metadata/properties" ma:root="true" ma:fieldsID="fc29e25cffe643e46e3e73e307edf536" ns2:_="">
-    <xsd:import namespace="7c797a3d-03eb-4d3c-be85-16d2b083e41f"/>
-    <xsd:element name="properties">
-      <xsd:complexType>
-        <xsd:sequence>
-          <xsd:element name="documentManagement">
-            <xsd:complexType>
-              <xsd:all>
-                <xsd:element ref="ns2:SharedWithUsers" minOccurs="0"/>
-                <xsd:element ref="ns2:SharedWithDetails" minOccurs="0"/>
-              </xsd:all>
-            </xsd:complexType>
-          </xsd:element>
-        </xsd:sequence>
-      </xsd:complexType>
-    </xsd:element>
-  </xsd:schema>
-  <xsd:schema xmlns:xsd="http://www.w3.org/2001/XMLSchema" xmlns:xs="http://www.w3.org/2001/XMLSchema" xmlns:dms="http://schemas.microsoft.com/office/2006/documentManagement/types" xmlns:pc="http://schemas.microsoft.com/office/infopath/2007/PartnerControls" targetNamespace="7c797a3d-03eb-4d3c-be85-16d2b083e41f" elementFormDefault="qualified">
-    <xsd:import namespace="http://schemas.microsoft.com/office/2006/documentManagement/types"/>
-    <xsd:import namespace="http://schemas.microsoft.com/office/infopath/2007/PartnerControls"/>
-    <xsd:element name="SharedWithUsers" ma:index="8" nillable="true" ma:displayName="Shared With" ma:description="" ma:internalName="SharedWithUsers" ma:readOnly="true">
-      <xsd:complexType>
-        <xsd:complexContent>
-          <xsd:extension base="dms:UserMulti">
-            <xsd:sequence>
-              <xsd:element name="UserInfo" minOccurs="0" maxOccurs="unbounded">
-                <xsd:complexType>
-                  <xsd:sequence>
-                    <xsd:element name="DisplayName" type="xsd:string" minOccurs="0"/>
-                    <xsd:element name="AccountId" type="dms:UserId" minOccurs="0" nillable="true"/>
-                    <xsd:element name="AccountType" type="xsd:string" minOccurs="0"/>
-                  </xsd:sequence>
-                </xsd:complexType>
-              </xsd:element>
-            </xsd:sequence>
-          </xsd:extension>
-        </xsd:complexContent>
-      </xsd:complexType>
-    </xsd:element>
-    <xsd:element name="SharedWithDetails" ma:index="9" nillable="true" ma:displayName="Shared With Details" ma:description="" ma:internalName="SharedWithDetails" ma:readOnly="true">
-      <xsd:simpleType>
-        <xsd:restriction base="dms:Note">
-          <xsd:maxLength value="255"/>
-        </xsd:restriction>
-      </xsd:simpleType>
-    </xsd:element>
-  </xsd:schema>
-  <xsd:schema xmlns="http://schemas.openxmlformats.org/package/2006/metadata/core-properties" xmlns:xsd="http://www.w3.org/2001/XMLSchema" xmlns:xsi="http://www.w3.org/2001/XMLSchema-instance" xmlns:dc="http://purl.org/dc/elements/1.1/" xmlns:dcterms="http://purl.org/dc/terms/" xmlns:odoc="http://schemas.microsoft.com/internal/obd" targetNamespace="http://schemas.openxmlformats.org/package/2006/metadata/core-properties" elementFormDefault="qualified" attributeFormDefault="unqualified" blockDefault="#all">
-    <xsd:import namespace="http://purl.org/dc/elements/1.1/" schemaLocation="http://dublincore.org/schemas/xmls/qdc/2003/04/02/dc.xsd"/>
-    <xsd:import namespace="http://purl.org/dc/terms/" schemaLocation="http://dublincore.org/schemas/xmls/qdc/2003/04/02/dcterms.xsd"/>
-    <xsd:element name="coreProperties" type="CT_coreProperties"/>
-    <xsd:complexType name="CT_coreProperties">
-      <xsd:all>
-        <xsd:element ref="dc:creator" minOccurs="0" maxOccurs="1"/>
-        <xsd:element ref="dcterms:created" minOccurs="0" maxOccurs="1"/>
-        <xsd:element ref="dc:identifier" minOccurs="0" maxOccurs="1"/>
-        <xsd:element name="contentType" minOccurs="0" maxOccurs="1" type="xsd:string" ma:index="0" ma:displayName="Content Type"/>
-        <xsd:element ref="dc:title" minOccurs="0" maxOccurs="1" ma:index="4" ma:displayName="Title"/>
-        <xsd:element ref="dc:subject" minOccurs="0" maxOccurs="1"/>
-        <xsd:element ref="dc:description" minOccurs="0" maxOccurs="1"/>
-        <xsd:element name="keywords" minOccurs="0" maxOccurs="1" type="xsd:string"/>
-        <xsd:element ref="dc:language" minOccurs="0" maxOccurs="1"/>
-        <xsd:element name="category" minOccurs="0" maxOccurs="1" type="xsd:string"/>
-        <xsd:element name="version" minOccurs="0" maxOccurs="1" type="xsd:string"/>
-        <xsd:element name="revision" minOccurs="0" maxOccurs="1" type="xsd:string">
-          <xsd:annotation>
-            <xsd:documentation>
-                        This value indicates the number of saves or revisions. The application is responsible for updating this value after each revision.
-                    </xsd:documentation>
-          </xsd:annotation>
-        </xsd:element>
-        <xsd:element name="lastModifiedBy" minOccurs="0" maxOccurs="1" type="xsd:string"/>
-        <xsd:element ref="dcterms:modified" minOccurs="0" maxOccurs="1"/>
-        <xsd:element name="contentStatus" minOccurs="0" maxOccurs="1" type="xsd:string"/>
-      </xsd:all>
-    </xsd:complexType>
-  </xsd:schema>
-  <xs:schema xmlns:pc="http://schemas.microsoft.com/office/infopath/2007/PartnerControls" xmlns:xs="http://www.w3.org/2001/XMLSchema" targetNamespace="http://schemas.microsoft.com/office/infopath/2007/PartnerControls" elementFormDefault="qualified" attributeFormDefault="unqualified">
-    <xs:element name="Person">
-      <xs:complexType>
-        <xs:sequence>
-          <xs:element ref="pc:DisplayName" minOccurs="0"/>
-          <xs:element ref="pc:AccountId" minOccurs="0"/>
-          <xs:element ref="pc:AccountType" minOccurs="0"/>
-        </xs:sequence>
-      </xs:complexType>
-    </xs:element>
-    <xs:element name="DisplayName" type="xs:string"/>
-    <xs:element name="AccountId" type="xs:string"/>
-    <xs:element name="AccountType" type="xs:string"/>
-    <xs:element name="BDCAssociatedEntity">
-      <xs:complexType>
-        <xs:sequence>
-          <xs:element ref="pc:BDCEntity" minOccurs="0" maxOccurs="unbounded"/>
-        </xs:sequence>
-        <xs:attribute ref="pc:EntityNamespace"/>
-        <xs:attribute ref="pc:EntityName"/>
-        <xs:attribute ref="pc:SystemInstanceName"/>
-        <xs:attribute ref="pc:AssociationName"/>
-      </xs:complexType>
-    </xs:element>
-    <xs:attribute name="EntityNamespace" type="xs:string"/>
-    <xs:attribute name="EntityName" type="xs:string"/>
-    <xs:attribute name="SystemInstanceName" type="xs:string"/>
-    <xs:attribute name="AssociationName" type="xs:string"/>
-    <xs:element name="BDCEntity">
-      <xs:complexType>
-        <xs:sequence>
-          <xs:element ref="pc:EntityDisplayName" minOccurs="0"/>
-          <xs:element ref="pc:EntityInstanceReference" minOccurs="0"/>
-          <xs:element ref="pc:EntityId1" minOccurs="0"/>
-          <xs:element ref="pc:EntityId2" minOccurs="0"/>
-          <xs:element ref="pc:EntityId3" minOccurs="0"/>
-          <xs:element ref="pc:EntityId4" minOccurs="0"/>
-          <xs:element ref="pc:EntityId5" minOccurs="0"/>
-        </xs:sequence>
-      </xs:complexType>
-    </xs:element>
-    <xs:element name="EntityDisplayName" type="xs:string"/>
-    <xs:element name="EntityInstanceReference" type="xs:string"/>
-    <xs:element name="EntityId1" type="xs:string"/>
-    <xs:element name="EntityId2" type="xs:string"/>
-    <xs:element name="EntityId3" type="xs:string"/>
-    <xs:element name="EntityId4" type="xs:string"/>
-    <xs:element name="EntityId5" type="xs:string"/>
-    <xs:element name="Terms">
-      <xs:complexType>
-        <xs:sequence>
-          <xs:element ref="pc:TermInfo" minOccurs="0" maxOccurs="unbounded"/>
-        </xs:sequence>
-      </xs:complexType>
-    </xs:element>
-    <xs:element name="TermInfo">
-      <xs:complexType>
-        <xs:sequence>
-          <xs:element ref="pc:TermName" minOccurs="0"/>
-          <xs:element ref="pc:TermId" minOccurs="0"/>
-        </xs:sequence>
-      </xs:complexType>
-    </xs:element>
-    <xs:element name="TermName" type="xs:string"/>
-    <xs:element name="TermId" type="xs:string"/>
-  </xs:schema>
-</ct:contentTypeSchema>
-</file>
-
-<file path=customXml/item2.xml><?xml version="1.0" encoding="utf-8"?>
 <p:properties xmlns:p="http://schemas.microsoft.com/office/2006/metadata/properties" xmlns:xsi="http://www.w3.org/2001/XMLSchema-instance">
   <documentManagement>
     <SharedWithUsers xmlns="7c797a3d-03eb-4d3c-be85-16d2b083e41f">
@@ -18338,6 +17971,15 @@
     </SharedWithUsers>
   </documentManagement>
 </p:properties>
+</file>
+
+<file path=customXml/item2.xml><?xml version="1.0" encoding="utf-8"?>
+<?mso-contentType ?>
+<FormTemplates xmlns="http://schemas.microsoft.com/sharepoint/v3/contenttype/forms">
+  <Display>DocumentLibraryForm</Display>
+  <Edit>DocumentLibraryForm</Edit>
+  <New>DocumentLibraryForm</New>
+</FormTemplates>
 </file>
 
 <file path=customXml/item3.xml><?xml version="1.0" encoding="utf-8"?>
@@ -18491,15 +18133,186 @@
 </file>
 
 <file path=customXml/item4.xml><?xml version="1.0" encoding="utf-8"?>
-<?mso-contentType ?>
-<FormTemplates xmlns="http://schemas.microsoft.com/sharepoint/v3/contenttype/forms">
-  <Display>DocumentLibraryForm</Display>
-  <Edit>DocumentLibraryForm</Edit>
-  <New>DocumentLibraryForm</New>
-</FormTemplates>
+<ct:contentTypeSchema xmlns:ct="http://schemas.microsoft.com/office/2006/metadata/contentType" xmlns:ma="http://schemas.microsoft.com/office/2006/metadata/properties/metaAttributes" ct:_="" ma:_="" ma:contentTypeName="Document" ma:contentTypeID="0x010100BAF5C66E64744B4EBDF83E18D5BE3570" ma:contentTypeVersion="2" ma:contentTypeDescription="Create a new document." ma:contentTypeScope="" ma:versionID="8194b865fee850dbf0034213c33a0c27">
+  <xsd:schema xmlns:xsd="http://www.w3.org/2001/XMLSchema" xmlns:xs="http://www.w3.org/2001/XMLSchema" xmlns:p="http://schemas.microsoft.com/office/2006/metadata/properties" xmlns:ns2="7c797a3d-03eb-4d3c-be85-16d2b083e41f" targetNamespace="http://schemas.microsoft.com/office/2006/metadata/properties" ma:root="true" ma:fieldsID="fc29e25cffe643e46e3e73e307edf536" ns2:_="">
+    <xsd:import namespace="7c797a3d-03eb-4d3c-be85-16d2b083e41f"/>
+    <xsd:element name="properties">
+      <xsd:complexType>
+        <xsd:sequence>
+          <xsd:element name="documentManagement">
+            <xsd:complexType>
+              <xsd:all>
+                <xsd:element ref="ns2:SharedWithUsers" minOccurs="0"/>
+                <xsd:element ref="ns2:SharedWithDetails" minOccurs="0"/>
+              </xsd:all>
+            </xsd:complexType>
+          </xsd:element>
+        </xsd:sequence>
+      </xsd:complexType>
+    </xsd:element>
+  </xsd:schema>
+  <xsd:schema xmlns:xsd="http://www.w3.org/2001/XMLSchema" xmlns:xs="http://www.w3.org/2001/XMLSchema" xmlns:dms="http://schemas.microsoft.com/office/2006/documentManagement/types" xmlns:pc="http://schemas.microsoft.com/office/infopath/2007/PartnerControls" targetNamespace="7c797a3d-03eb-4d3c-be85-16d2b083e41f" elementFormDefault="qualified">
+    <xsd:import namespace="http://schemas.microsoft.com/office/2006/documentManagement/types"/>
+    <xsd:import namespace="http://schemas.microsoft.com/office/infopath/2007/PartnerControls"/>
+    <xsd:element name="SharedWithUsers" ma:index="8" nillable="true" ma:displayName="Shared With" ma:description="" ma:internalName="SharedWithUsers" ma:readOnly="true">
+      <xsd:complexType>
+        <xsd:complexContent>
+          <xsd:extension base="dms:UserMulti">
+            <xsd:sequence>
+              <xsd:element name="UserInfo" minOccurs="0" maxOccurs="unbounded">
+                <xsd:complexType>
+                  <xsd:sequence>
+                    <xsd:element name="DisplayName" type="xsd:string" minOccurs="0"/>
+                    <xsd:element name="AccountId" type="dms:UserId" minOccurs="0" nillable="true"/>
+                    <xsd:element name="AccountType" type="xsd:string" minOccurs="0"/>
+                  </xsd:sequence>
+                </xsd:complexType>
+              </xsd:element>
+            </xsd:sequence>
+          </xsd:extension>
+        </xsd:complexContent>
+      </xsd:complexType>
+    </xsd:element>
+    <xsd:element name="SharedWithDetails" ma:index="9" nillable="true" ma:displayName="Shared With Details" ma:description="" ma:internalName="SharedWithDetails" ma:readOnly="true">
+      <xsd:simpleType>
+        <xsd:restriction base="dms:Note">
+          <xsd:maxLength value="255"/>
+        </xsd:restriction>
+      </xsd:simpleType>
+    </xsd:element>
+  </xsd:schema>
+  <xsd:schema xmlns="http://schemas.openxmlformats.org/package/2006/metadata/core-properties" xmlns:xsd="http://www.w3.org/2001/XMLSchema" xmlns:xsi="http://www.w3.org/2001/XMLSchema-instance" xmlns:dc="http://purl.org/dc/elements/1.1/" xmlns:dcterms="http://purl.org/dc/terms/" xmlns:odoc="http://schemas.microsoft.com/internal/obd" targetNamespace="http://schemas.openxmlformats.org/package/2006/metadata/core-properties" elementFormDefault="qualified" attributeFormDefault="unqualified" blockDefault="#all">
+    <xsd:import namespace="http://purl.org/dc/elements/1.1/" schemaLocation="http://dublincore.org/schemas/xmls/qdc/2003/04/02/dc.xsd"/>
+    <xsd:import namespace="http://purl.org/dc/terms/" schemaLocation="http://dublincore.org/schemas/xmls/qdc/2003/04/02/dcterms.xsd"/>
+    <xsd:element name="coreProperties" type="CT_coreProperties"/>
+    <xsd:complexType name="CT_coreProperties">
+      <xsd:all>
+        <xsd:element ref="dc:creator" minOccurs="0" maxOccurs="1"/>
+        <xsd:element ref="dcterms:created" minOccurs="0" maxOccurs="1"/>
+        <xsd:element ref="dc:identifier" minOccurs="0" maxOccurs="1"/>
+        <xsd:element name="contentType" minOccurs="0" maxOccurs="1" type="xsd:string" ma:index="0" ma:displayName="Content Type"/>
+        <xsd:element ref="dc:title" minOccurs="0" maxOccurs="1" ma:index="4" ma:displayName="Title"/>
+        <xsd:element ref="dc:subject" minOccurs="0" maxOccurs="1"/>
+        <xsd:element ref="dc:description" minOccurs="0" maxOccurs="1"/>
+        <xsd:element name="keywords" minOccurs="0" maxOccurs="1" type="xsd:string"/>
+        <xsd:element ref="dc:language" minOccurs="0" maxOccurs="1"/>
+        <xsd:element name="category" minOccurs="0" maxOccurs="1" type="xsd:string"/>
+        <xsd:element name="version" minOccurs="0" maxOccurs="1" type="xsd:string"/>
+        <xsd:element name="revision" minOccurs="0" maxOccurs="1" type="xsd:string">
+          <xsd:annotation>
+            <xsd:documentation>
+                        This value indicates the number of saves or revisions. The application is responsible for updating this value after each revision.
+                    </xsd:documentation>
+          </xsd:annotation>
+        </xsd:element>
+        <xsd:element name="lastModifiedBy" minOccurs="0" maxOccurs="1" type="xsd:string"/>
+        <xsd:element ref="dcterms:modified" minOccurs="0" maxOccurs="1"/>
+        <xsd:element name="contentStatus" minOccurs="0" maxOccurs="1" type="xsd:string"/>
+      </xsd:all>
+    </xsd:complexType>
+  </xsd:schema>
+  <xs:schema xmlns:pc="http://schemas.microsoft.com/office/infopath/2007/PartnerControls" xmlns:xs="http://www.w3.org/2001/XMLSchema" targetNamespace="http://schemas.microsoft.com/office/infopath/2007/PartnerControls" elementFormDefault="qualified" attributeFormDefault="unqualified">
+    <xs:element name="Person">
+      <xs:complexType>
+        <xs:sequence>
+          <xs:element ref="pc:DisplayName" minOccurs="0"/>
+          <xs:element ref="pc:AccountId" minOccurs="0"/>
+          <xs:element ref="pc:AccountType" minOccurs="0"/>
+        </xs:sequence>
+      </xs:complexType>
+    </xs:element>
+    <xs:element name="DisplayName" type="xs:string"/>
+    <xs:element name="AccountId" type="xs:string"/>
+    <xs:element name="AccountType" type="xs:string"/>
+    <xs:element name="BDCAssociatedEntity">
+      <xs:complexType>
+        <xs:sequence>
+          <xs:element ref="pc:BDCEntity" minOccurs="0" maxOccurs="unbounded"/>
+        </xs:sequence>
+        <xs:attribute ref="pc:EntityNamespace"/>
+        <xs:attribute ref="pc:EntityName"/>
+        <xs:attribute ref="pc:SystemInstanceName"/>
+        <xs:attribute ref="pc:AssociationName"/>
+      </xs:complexType>
+    </xs:element>
+    <xs:attribute name="EntityNamespace" type="xs:string"/>
+    <xs:attribute name="EntityName" type="xs:string"/>
+    <xs:attribute name="SystemInstanceName" type="xs:string"/>
+    <xs:attribute name="AssociationName" type="xs:string"/>
+    <xs:element name="BDCEntity">
+      <xs:complexType>
+        <xs:sequence>
+          <xs:element ref="pc:EntityDisplayName" minOccurs="0"/>
+          <xs:element ref="pc:EntityInstanceReference" minOccurs="0"/>
+          <xs:element ref="pc:EntityId1" minOccurs="0"/>
+          <xs:element ref="pc:EntityId2" minOccurs="0"/>
+          <xs:element ref="pc:EntityId3" minOccurs="0"/>
+          <xs:element ref="pc:EntityId4" minOccurs="0"/>
+          <xs:element ref="pc:EntityId5" minOccurs="0"/>
+        </xs:sequence>
+      </xs:complexType>
+    </xs:element>
+    <xs:element name="EntityDisplayName" type="xs:string"/>
+    <xs:element name="EntityInstanceReference" type="xs:string"/>
+    <xs:element name="EntityId1" type="xs:string"/>
+    <xs:element name="EntityId2" type="xs:string"/>
+    <xs:element name="EntityId3" type="xs:string"/>
+    <xs:element name="EntityId4" type="xs:string"/>
+    <xs:element name="EntityId5" type="xs:string"/>
+    <xs:element name="Terms">
+      <xs:complexType>
+        <xs:sequence>
+          <xs:element ref="pc:TermInfo" minOccurs="0" maxOccurs="unbounded"/>
+        </xs:sequence>
+      </xs:complexType>
+    </xs:element>
+    <xs:element name="TermInfo">
+      <xs:complexType>
+        <xs:sequence>
+          <xs:element ref="pc:TermName" minOccurs="0"/>
+          <xs:element ref="pc:TermId" minOccurs="0"/>
+        </xs:sequence>
+      </xs:complexType>
+    </xs:element>
+    <xs:element name="TermName" type="xs:string"/>
+    <xs:element name="TermId" type="xs:string"/>
+  </xs:schema>
+</ct:contentTypeSchema>
 </file>
 
 <file path=customXml/itemProps1.xml><?xml version="1.0" encoding="utf-8"?>
+<ds:datastoreItem xmlns:ds="http://schemas.openxmlformats.org/officeDocument/2006/customXml" ds:itemID="{A5547237-B119-45CA-BEFC-A2DA2BDB03E7}">
+  <ds:schemaRefs>
+    <ds:schemaRef ds:uri="http://www.w3.org/XML/1998/namespace"/>
+    <ds:schemaRef ds:uri="http://schemas.microsoft.com/office/2006/documentManagement/types"/>
+    <ds:schemaRef ds:uri="http://schemas.microsoft.com/office/infopath/2007/PartnerControls"/>
+    <ds:schemaRef ds:uri="http://schemas.openxmlformats.org/package/2006/metadata/core-properties"/>
+    <ds:schemaRef ds:uri="http://purl.org/dc/elements/1.1/"/>
+    <ds:schemaRef ds:uri="7c797a3d-03eb-4d3c-be85-16d2b083e41f"/>
+    <ds:schemaRef ds:uri="http://schemas.microsoft.com/office/2006/metadata/properties"/>
+    <ds:schemaRef ds:uri="http://purl.org/dc/dcmitype/"/>
+    <ds:schemaRef ds:uri="http://purl.org/dc/terms/"/>
+  </ds:schemaRefs>
+</ds:datastoreItem>
+</file>
+
+<file path=customXml/itemProps2.xml><?xml version="1.0" encoding="utf-8"?>
+<ds:datastoreItem xmlns:ds="http://schemas.openxmlformats.org/officeDocument/2006/customXml" ds:itemID="{6034B84F-8F8E-48B7-9EFF-C7DE1A66BD73}">
+  <ds:schemaRefs>
+    <ds:schemaRef ds:uri="http://schemas.microsoft.com/sharepoint/v3/contenttype/forms"/>
+  </ds:schemaRefs>
+</ds:datastoreItem>
+</file>
+
+<file path=customXml/itemProps3.xml><?xml version="1.0" encoding="utf-8"?>
+<ds:datastoreItem xmlns:ds="http://schemas.openxmlformats.org/officeDocument/2006/customXml" ds:itemID="{8865FC99-B6BD-4E98-8312-F4F432C217EA}">
+  <ds:schemaRefs>
+    <ds:schemaRef ds:uri="http://schemas.microsoft.com/office/2009/outspace/metadata"/>
+  </ds:schemaRefs>
+</ds:datastoreItem>
+</file>
+
+<file path=customXml/itemProps4.xml><?xml version="1.0" encoding="utf-8"?>
 <ds:datastoreItem xmlns:ds="http://schemas.openxmlformats.org/officeDocument/2006/customXml" ds:itemID="{F9BF3018-CB75-4188-9EA6-EC92BDAE1F16}">
   <ds:schemaRefs>
     <ds:schemaRef ds:uri="http://schemas.microsoft.com/office/2006/metadata/contentType"/>
@@ -18515,36 +18328,4 @@
     <ds:schemaRef ds:uri="http://schemas.microsoft.com/internal/obd"/>
   </ds:schemaRefs>
 </ds:datastoreItem>
-</file>
-
-<file path=customXml/itemProps2.xml><?xml version="1.0" encoding="utf-8"?>
-<ds:datastoreItem xmlns:ds="http://schemas.openxmlformats.org/officeDocument/2006/customXml" ds:itemID="{A5547237-B119-45CA-BEFC-A2DA2BDB03E7}">
-  <ds:schemaRefs>
-    <ds:schemaRef ds:uri="http://purl.org/dc/elements/1.1/"/>
-    <ds:schemaRef ds:uri="http://www.w3.org/XML/1998/namespace"/>
-    <ds:schemaRef ds:uri="7c797a3d-03eb-4d3c-be85-16d2b083e41f"/>
-    <ds:schemaRef ds:uri="http://schemas.microsoft.com/office/infopath/2007/PartnerControls"/>
-    <ds:schemaRef ds:uri="http://schemas.openxmlformats.org/package/2006/metadata/core-properties"/>
-    <ds:schemaRef ds:uri="http://purl.org/dc/dcmitype/"/>
-    <ds:schemaRef ds:uri="http://purl.org/dc/terms/"/>
-    <ds:schemaRef ds:uri="http://schemas.microsoft.com/office/2006/documentManagement/types"/>
-    <ds:schemaRef ds:uri="http://schemas.microsoft.com/office/2006/metadata/properties"/>
-  </ds:schemaRefs>
-</ds:datastoreItem>
-</file>
-
-<file path=customXml/itemProps3.xml><?xml version="1.0" encoding="utf-8"?>
-<ds:datastoreItem xmlns:ds="http://schemas.openxmlformats.org/officeDocument/2006/customXml" ds:itemID="{8865FC99-B6BD-4E98-8312-F4F432C217EA}">
-  <ds:schemaRefs>
-    <ds:schemaRef ds:uri="http://schemas.microsoft.com/office/2009/outspace/metadata"/>
-  </ds:schemaRefs>
-</ds:datastoreItem>
-</file>
-
-<file path=customXml/itemProps4.xml><?xml version="1.0" encoding="utf-8"?>
-<ds:datastoreItem xmlns:ds="http://schemas.openxmlformats.org/officeDocument/2006/customXml" ds:itemID="{6034B84F-8F8E-48B7-9EFF-C7DE1A66BD73}">
-  <ds:schemaRefs>
-    <ds:schemaRef ds:uri="http://schemas.microsoft.com/sharepoint/v3/contenttype/forms"/>
-  </ds:schemaRefs>
-</ds:datastoreItem>
 </file>
--- a/07 AzureActiveDirectory.pptx
+++ b/07 AzureActiveDirectory.pptx
@@ -27,19 +27,19 @@
     <p:sldId id="1852" r:id="rId19"/>
     <p:sldId id="1853" r:id="rId20"/>
     <p:sldId id="1856" r:id="rId21"/>
-    <p:sldId id="1857" r:id="rId22"/>
-    <p:sldId id="1858" r:id="rId23"/>
-    <p:sldId id="1859" r:id="rId24"/>
-    <p:sldId id="1860" r:id="rId25"/>
-    <p:sldId id="1861" r:id="rId26"/>
-    <p:sldId id="1871" r:id="rId27"/>
+    <p:sldId id="362" r:id="rId22"/>
+    <p:sldId id="1857" r:id="rId23"/>
+    <p:sldId id="1858" r:id="rId24"/>
+    <p:sldId id="1859" r:id="rId25"/>
+    <p:sldId id="1860" r:id="rId26"/>
+    <p:sldId id="1861" r:id="rId27"/>
     <p:sldId id="1862" r:id="rId28"/>
     <p:sldId id="1865" r:id="rId29"/>
     <p:sldId id="1866" r:id="rId30"/>
-    <p:sldId id="362" r:id="rId31"/>
-    <p:sldId id="364" r:id="rId32"/>
-    <p:sldId id="385" r:id="rId33"/>
-    <p:sldId id="1870" r:id="rId34"/>
+    <p:sldId id="364" r:id="rId31"/>
+    <p:sldId id="385" r:id="rId32"/>
+    <p:sldId id="1870" r:id="rId33"/>
+    <p:sldId id="1871" r:id="rId34"/>
     <p:sldId id="367" r:id="rId35"/>
     <p:sldId id="384" r:id="rId36"/>
     <p:sldId id="368" r:id="rId37"/>
@@ -6122,6 +6122,138 @@
       </p:grpSpPr>
       <p:sp>
         <p:nvSpPr>
+          <p:cNvPr id="38914" name="Title 1"/>
+          <p:cNvSpPr>
+            <a:spLocks noGrp="1"/>
+          </p:cNvSpPr>
+          <p:nvPr>
+            <p:ph type="title"/>
+          </p:nvPr>
+        </p:nvSpPr>
+        <p:spPr/>
+        <p:txBody>
+          <a:bodyPr/>
+          <a:lstStyle/>
+          <a:p>
+            <a:r>
+              <a:rPr lang="en-US" altLang="en-US" dirty="0"/>
+              <a:t>Application Types</a:t>
+            </a:r>
+          </a:p>
+        </p:txBody>
+      </p:sp>
+      <p:sp>
+        <p:nvSpPr>
+          <p:cNvPr id="3" name="Content Placeholder 2"/>
+          <p:cNvSpPr>
+            <a:spLocks noGrp="1"/>
+          </p:cNvSpPr>
+          <p:nvPr>
+            <p:ph idx="1"/>
+          </p:nvPr>
+        </p:nvSpPr>
+        <p:spPr/>
+        <p:txBody>
+          <a:bodyPr>
+            <a:normAutofit/>
+          </a:bodyPr>
+          <a:lstStyle/>
+          <a:p>
+            <a:r>
+              <a:rPr lang="en-US" sz="2400" dirty="0"/>
+              <a:t>Single tenant application vs Multi-tenant application</a:t>
+            </a:r>
+          </a:p>
+          <a:p>
+            <a:pPr lvl="1"/>
+            <a:r>
+              <a:rPr lang="en-US" sz="2000" dirty="0"/>
+              <a:t>Single tenant application intended for use within one organization </a:t>
+            </a:r>
+          </a:p>
+          <a:p>
+            <a:pPr lvl="1"/>
+            <a:r>
+              <a:rPr lang="en-US" sz="2000" dirty="0"/>
+              <a:t>Multi-tenant application intended by use across organizations</a:t>
+            </a:r>
+          </a:p>
+          <a:p>
+            <a:pPr lvl="1"/>
+            <a:r>
+              <a:rPr lang="en-US" sz="2000" dirty="0"/>
+              <a:t>Multi-tenant application are SaaS applications written by ISVs</a:t>
+            </a:r>
+          </a:p>
+          <a:p>
+            <a:pPr lvl="1"/>
+            <a:endParaRPr lang="en-US" sz="2000" dirty="0"/>
+          </a:p>
+          <a:p>
+            <a:r>
+              <a:rPr lang="en-US" sz="2400" dirty="0"/>
+              <a:t>Azure AD Application Types</a:t>
+            </a:r>
+          </a:p>
+          <a:p>
+            <a:pPr lvl="1"/>
+            <a:r>
+              <a:rPr lang="en-US" sz="2000" dirty="0"/>
+              <a:t>Native applications</a:t>
+            </a:r>
+          </a:p>
+          <a:p>
+            <a:pPr lvl="1"/>
+            <a:r>
+              <a:rPr lang="en-US" sz="2000" dirty="0"/>
+              <a:t>Web app</a:t>
+            </a:r>
+          </a:p>
+          <a:p>
+            <a:pPr lvl="1"/>
+            <a:r>
+              <a:rPr lang="en-US" sz="2000"/>
+              <a:t>Web app </a:t>
+            </a:r>
+            <a:r>
+              <a:rPr lang="en-US" sz="2000" dirty="0"/>
+              <a:t>configured to allow Implicit Flow </a:t>
+            </a:r>
+          </a:p>
+        </p:txBody>
+      </p:sp>
+    </p:spTree>
+    <p:extLst>
+      <p:ext uri="{BB962C8B-B14F-4D97-AF65-F5344CB8AC3E}">
+        <p14:creationId xmlns:p14="http://schemas.microsoft.com/office/powerpoint/2010/main" val="4126104864"/>
+      </p:ext>
+    </p:extLst>
+  </p:cSld>
+  <p:clrMapOvr>
+    <a:masterClrMapping/>
+  </p:clrMapOvr>
+</p:sld>
+</file>
+
+<file path=ppt/slides/slide18.xml><?xml version="1.0" encoding="utf-8"?>
+<p:sld xmlns:a="http://schemas.openxmlformats.org/drawingml/2006/main" xmlns:r="http://schemas.openxmlformats.org/officeDocument/2006/relationships" xmlns:p="http://schemas.openxmlformats.org/presentationml/2006/main">
+  <p:cSld>
+    <p:spTree>
+      <p:nvGrpSpPr>
+        <p:cNvPr id="1" name=""/>
+        <p:cNvGrpSpPr/>
+        <p:nvPr/>
+      </p:nvGrpSpPr>
+      <p:grpSpPr>
+        <a:xfrm>
+          <a:off x="0" y="0"/>
+          <a:ext cx="0" cy="0"/>
+          <a:chOff x="0" y="0"/>
+          <a:chExt cx="0" cy="0"/>
+        </a:xfrm>
+      </p:grpSpPr>
+      <p:sp>
+        <p:nvSpPr>
           <p:cNvPr id="2" name="Title 1">
             <a:extLst>
               <a:ext uri="{FF2B5EF4-FFF2-40B4-BE49-F238E27FC236}">
@@ -6261,7 +6393,7 @@
 </p:sld>
 </file>
 
-<file path=ppt/slides/slide18.xml><?xml version="1.0" encoding="utf-8"?>
+<file path=ppt/slides/slide19.xml><?xml version="1.0" encoding="utf-8"?>
 <p:sld xmlns:a="http://schemas.openxmlformats.org/drawingml/2006/main" xmlns:r="http://schemas.openxmlformats.org/officeDocument/2006/relationships" xmlns:p="http://schemas.openxmlformats.org/presentationml/2006/main">
   <p:cSld>
     <p:spTree>
@@ -6401,7 +6533,112 @@
 </p:sld>
 </file>
 
-<file path=ppt/slides/slide19.xml><?xml version="1.0" encoding="utf-8"?>
+<file path=ppt/slides/slide2.xml><?xml version="1.0" encoding="utf-8"?>
+<p:sld xmlns:a="http://schemas.openxmlformats.org/drawingml/2006/main" xmlns:r="http://schemas.openxmlformats.org/officeDocument/2006/relationships" xmlns:p="http://schemas.openxmlformats.org/presentationml/2006/main">
+  <p:cSld>
+    <p:spTree>
+      <p:nvGrpSpPr>
+        <p:cNvPr id="1" name=""/>
+        <p:cNvGrpSpPr/>
+        <p:nvPr/>
+      </p:nvGrpSpPr>
+      <p:grpSpPr>
+        <a:xfrm>
+          <a:off x="0" y="0"/>
+          <a:ext cx="0" cy="0"/>
+          <a:chOff x="0" y="0"/>
+          <a:chExt cx="0" cy="0"/>
+        </a:xfrm>
+      </p:grpSpPr>
+      <p:sp>
+        <p:nvSpPr>
+          <p:cNvPr id="22530" name="Title 1"/>
+          <p:cNvSpPr>
+            <a:spLocks noGrp="1"/>
+          </p:cNvSpPr>
+          <p:nvPr>
+            <p:ph type="title"/>
+          </p:nvPr>
+        </p:nvSpPr>
+        <p:spPr/>
+        <p:txBody>
+          <a:bodyPr/>
+          <a:lstStyle/>
+          <a:p>
+            <a:r>
+              <a:rPr lang="en-US" altLang="en-US"/>
+              <a:t>Agenda</a:t>
+            </a:r>
+          </a:p>
+        </p:txBody>
+      </p:sp>
+      <p:sp>
+        <p:nvSpPr>
+          <p:cNvPr id="22531" name="Content Placeholder 2"/>
+          <p:cNvSpPr>
+            <a:spLocks noGrp="1"/>
+          </p:cNvSpPr>
+          <p:nvPr>
+            <p:ph idx="1"/>
+          </p:nvPr>
+        </p:nvSpPr>
+        <p:spPr/>
+        <p:txBody>
+          <a:bodyPr>
+            <a:normAutofit/>
+          </a:bodyPr>
+          <a:lstStyle/>
+          <a:p>
+            <a:pPr lvl="0"/>
+            <a:r>
+              <a:rPr lang="en-US" sz="2700" dirty="0"/>
+              <a:t>Understanding OAuth 2.0 and OpenID Connect</a:t>
+            </a:r>
+          </a:p>
+          <a:p>
+            <a:pPr lvl="0"/>
+            <a:r>
+              <a:rPr lang="en-US" sz="2700" dirty="0"/>
+              <a:t>The Role of Azure Active Directory</a:t>
+            </a:r>
+          </a:p>
+          <a:p>
+            <a:pPr lvl="0"/>
+            <a:r>
+              <a:rPr lang="en-US" sz="2700" dirty="0"/>
+              <a:t>Creating &amp; Configuring Azure AD Applications</a:t>
+            </a:r>
+          </a:p>
+          <a:p>
+            <a:pPr lvl="0"/>
+            <a:r>
+              <a:rPr lang="en-US" sz="2700" dirty="0"/>
+              <a:t>Securing MVC Applications using ADAL and OWIN</a:t>
+            </a:r>
+          </a:p>
+          <a:p>
+            <a:r>
+              <a:rPr lang="en-US" sz="2700" dirty="0"/>
+              <a:t>Securing SPAs using ADAL.js &amp; Implicit Grant Flow</a:t>
+            </a:r>
+            <a:endParaRPr lang="en-US" altLang="en-US" sz="2700" dirty="0"/>
+          </a:p>
+        </p:txBody>
+      </p:sp>
+    </p:spTree>
+    <p:extLst>
+      <p:ext uri="{BB962C8B-B14F-4D97-AF65-F5344CB8AC3E}">
+        <p14:creationId xmlns:p14="http://schemas.microsoft.com/office/powerpoint/2010/main" val="4088625449"/>
+      </p:ext>
+    </p:extLst>
+  </p:cSld>
+  <p:clrMapOvr>
+    <a:masterClrMapping/>
+  </p:clrMapOvr>
+</p:sld>
+</file>
+
+<file path=ppt/slides/slide20.xml><?xml version="1.0" encoding="utf-8"?>
 <p:sld xmlns:a="http://schemas.openxmlformats.org/drawingml/2006/main" xmlns:r="http://schemas.openxmlformats.org/officeDocument/2006/relationships" xmlns:p="http://schemas.openxmlformats.org/presentationml/2006/main">
   <p:cSld>
     <p:spTree>
@@ -6616,112 +6853,7 @@
 </p:sld>
 </file>
 
-<file path=ppt/slides/slide2.xml><?xml version="1.0" encoding="utf-8"?>
-<p:sld xmlns:a="http://schemas.openxmlformats.org/drawingml/2006/main" xmlns:r="http://schemas.openxmlformats.org/officeDocument/2006/relationships" xmlns:p="http://schemas.openxmlformats.org/presentationml/2006/main">
-  <p:cSld>
-    <p:spTree>
-      <p:nvGrpSpPr>
-        <p:cNvPr id="1" name=""/>
-        <p:cNvGrpSpPr/>
-        <p:nvPr/>
-      </p:nvGrpSpPr>
-      <p:grpSpPr>
-        <a:xfrm>
-          <a:off x="0" y="0"/>
-          <a:ext cx="0" cy="0"/>
-          <a:chOff x="0" y="0"/>
-          <a:chExt cx="0" cy="0"/>
-        </a:xfrm>
-      </p:grpSpPr>
-      <p:sp>
-        <p:nvSpPr>
-          <p:cNvPr id="22530" name="Title 1"/>
-          <p:cNvSpPr>
-            <a:spLocks noGrp="1"/>
-          </p:cNvSpPr>
-          <p:nvPr>
-            <p:ph type="title"/>
-          </p:nvPr>
-        </p:nvSpPr>
-        <p:spPr/>
-        <p:txBody>
-          <a:bodyPr/>
-          <a:lstStyle/>
-          <a:p>
-            <a:r>
-              <a:rPr lang="en-US" altLang="en-US"/>
-              <a:t>Agenda</a:t>
-            </a:r>
-          </a:p>
-        </p:txBody>
-      </p:sp>
-      <p:sp>
-        <p:nvSpPr>
-          <p:cNvPr id="22531" name="Content Placeholder 2"/>
-          <p:cNvSpPr>
-            <a:spLocks noGrp="1"/>
-          </p:cNvSpPr>
-          <p:nvPr>
-            <p:ph idx="1"/>
-          </p:nvPr>
-        </p:nvSpPr>
-        <p:spPr/>
-        <p:txBody>
-          <a:bodyPr>
-            <a:normAutofit/>
-          </a:bodyPr>
-          <a:lstStyle/>
-          <a:p>
-            <a:pPr lvl="0"/>
-            <a:r>
-              <a:rPr lang="en-US" sz="2700" dirty="0"/>
-              <a:t>Understanding OAuth 2.0 and OpenID Connect</a:t>
-            </a:r>
-          </a:p>
-          <a:p>
-            <a:pPr lvl="0"/>
-            <a:r>
-              <a:rPr lang="en-US" sz="2700" dirty="0"/>
-              <a:t>The Role of Azure Active Directory</a:t>
-            </a:r>
-          </a:p>
-          <a:p>
-            <a:pPr lvl="0"/>
-            <a:r>
-              <a:rPr lang="en-US" sz="2700" dirty="0"/>
-              <a:t>Creating &amp; Configuring Azure AD Applications</a:t>
-            </a:r>
-          </a:p>
-          <a:p>
-            <a:pPr lvl="0"/>
-            <a:r>
-              <a:rPr lang="en-US" sz="2700" dirty="0"/>
-              <a:t>Securing MVC Applications using ADAL and OWIN</a:t>
-            </a:r>
-          </a:p>
-          <a:p>
-            <a:r>
-              <a:rPr lang="en-US" sz="2700" dirty="0"/>
-              <a:t>Securing SPAs using ADAL.js &amp; Implicit Grant Flow</a:t>
-            </a:r>
-            <a:endParaRPr lang="en-US" altLang="en-US" sz="2700" dirty="0"/>
-          </a:p>
-        </p:txBody>
-      </p:sp>
-    </p:spTree>
-    <p:extLst>
-      <p:ext uri="{BB962C8B-B14F-4D97-AF65-F5344CB8AC3E}">
-        <p14:creationId xmlns:p14="http://schemas.microsoft.com/office/powerpoint/2010/main" val="4088625449"/>
-      </p:ext>
-    </p:extLst>
-  </p:cSld>
-  <p:clrMapOvr>
-    <a:masterClrMapping/>
-  </p:clrMapOvr>
-</p:sld>
-</file>
-
-<file path=ppt/slides/slide20.xml><?xml version="1.0" encoding="utf-8"?>
+<file path=ppt/slides/slide21.xml><?xml version="1.0" encoding="utf-8"?>
 <p:sld xmlns:a="http://schemas.openxmlformats.org/drawingml/2006/main" xmlns:r="http://schemas.openxmlformats.org/officeDocument/2006/relationships" xmlns:p="http://schemas.openxmlformats.org/presentationml/2006/main">
   <p:cSld>
     <p:spTree>
@@ -6865,7 +6997,7 @@
 </p:sld>
 </file>
 
-<file path=ppt/slides/slide21.xml><?xml version="1.0" encoding="utf-8"?>
+<file path=ppt/slides/slide22.xml><?xml version="1.0" encoding="utf-8"?>
 <p:sld xmlns:a="http://schemas.openxmlformats.org/drawingml/2006/main" xmlns:r="http://schemas.openxmlformats.org/officeDocument/2006/relationships" xmlns:p="http://schemas.openxmlformats.org/presentationml/2006/main">
   <p:cSld>
     <p:spTree>
@@ -7004,203 +7136,6 @@
     <p:extLst>
       <p:ext uri="{BB962C8B-B14F-4D97-AF65-F5344CB8AC3E}">
         <p14:creationId xmlns:p14="http://schemas.microsoft.com/office/powerpoint/2010/main" val="1761914501"/>
-      </p:ext>
-    </p:extLst>
-  </p:cSld>
-  <p:clrMapOvr>
-    <a:masterClrMapping/>
-  </p:clrMapOvr>
-</p:sld>
-</file>
-
-<file path=ppt/slides/slide22.xml><?xml version="1.0" encoding="utf-8"?>
-<p:sld xmlns:a="http://schemas.openxmlformats.org/drawingml/2006/main" xmlns:r="http://schemas.openxmlformats.org/officeDocument/2006/relationships" xmlns:p="http://schemas.openxmlformats.org/presentationml/2006/main">
-  <p:cSld>
-    <p:spTree>
-      <p:nvGrpSpPr>
-        <p:cNvPr id="1" name=""/>
-        <p:cNvGrpSpPr/>
-        <p:nvPr/>
-      </p:nvGrpSpPr>
-      <p:grpSpPr>
-        <a:xfrm>
-          <a:off x="0" y="0"/>
-          <a:ext cx="0" cy="0"/>
-          <a:chOff x="0" y="0"/>
-          <a:chExt cx="0" cy="0"/>
-        </a:xfrm>
-      </p:grpSpPr>
-      <p:sp>
-        <p:nvSpPr>
-          <p:cNvPr id="2" name="Title 1">
-            <a:extLst>
-              <a:ext uri="{FF2B5EF4-FFF2-40B4-BE49-F238E27FC236}">
-                <a16:creationId xmlns:a16="http://schemas.microsoft.com/office/drawing/2014/main" id="{84CF4A9E-11DB-44C4-8FFE-B1133632BB49}"/>
-              </a:ext>
-            </a:extLst>
-          </p:cNvPr>
-          <p:cNvSpPr>
-            <a:spLocks noGrp="1"/>
-          </p:cNvSpPr>
-          <p:nvPr>
-            <p:ph type="title"/>
-          </p:nvPr>
-        </p:nvSpPr>
-        <p:spPr/>
-        <p:txBody>
-          <a:bodyPr/>
-          <a:lstStyle/>
-          <a:p>
-            <a:r>
-              <a:rPr lang="en-US"/>
-              <a:t>Access Token Acquisition (Native Client)</a:t>
-            </a:r>
-            <a:endParaRPr lang="en-US" dirty="0"/>
-          </a:p>
-        </p:txBody>
-      </p:sp>
-      <p:sp>
-        <p:nvSpPr>
-          <p:cNvPr id="9" name="Content Placeholder 8">
-            <a:extLst>
-              <a:ext uri="{FF2B5EF4-FFF2-40B4-BE49-F238E27FC236}">
-                <a16:creationId xmlns:a16="http://schemas.microsoft.com/office/drawing/2014/main" id="{AEA0EFDE-61E1-439B-BCE3-FC06358DF0C3}"/>
-              </a:ext>
-            </a:extLst>
-          </p:cNvPr>
-          <p:cNvSpPr>
-            <a:spLocks noGrp="1"/>
-          </p:cNvSpPr>
-          <p:nvPr>
-            <p:ph idx="1"/>
-          </p:nvPr>
-        </p:nvSpPr>
-        <p:spPr>
-          <a:xfrm>
-            <a:off x="346953" y="1219200"/>
-            <a:ext cx="8382000" cy="5181600"/>
-          </a:xfrm>
-        </p:spPr>
-        <p:txBody>
-          <a:bodyPr>
-            <a:noAutofit/>
-          </a:bodyPr>
-          <a:lstStyle/>
-          <a:p>
-            <a:r>
-              <a:rPr lang="en-US" sz="1800" dirty="0"/>
-              <a:t>With interactive login</a:t>
-            </a:r>
-          </a:p>
-          <a:p>
-            <a:endParaRPr lang="en-US" sz="1800" dirty="0"/>
-          </a:p>
-          <a:p>
-            <a:endParaRPr lang="en-US" sz="1800" dirty="0"/>
-          </a:p>
-          <a:p>
-            <a:endParaRPr lang="en-US" sz="1800" dirty="0"/>
-          </a:p>
-          <a:p>
-            <a:endParaRPr lang="en-US" sz="1800" dirty="0"/>
-          </a:p>
-          <a:p>
-            <a:endParaRPr lang="en-US" sz="1800" dirty="0"/>
-          </a:p>
-          <a:p>
-            <a:endParaRPr lang="en-US" sz="1800" dirty="0"/>
-          </a:p>
-          <a:p>
-            <a:endParaRPr lang="en-US" sz="1800" dirty="0"/>
-          </a:p>
-          <a:p>
-            <a:r>
-              <a:rPr lang="en-US" sz="1800" dirty="0"/>
-              <a:t>With Direct User Credentials (non-interactive)</a:t>
-            </a:r>
-          </a:p>
-        </p:txBody>
-      </p:sp>
-      <p:pic>
-        <p:nvPicPr>
-          <p:cNvPr id="4" name="Picture 3">
-            <a:extLst>
-              <a:ext uri="{FF2B5EF4-FFF2-40B4-BE49-F238E27FC236}">
-                <a16:creationId xmlns:a16="http://schemas.microsoft.com/office/drawing/2014/main" id="{535864B0-327C-4A19-9931-6695B38D0DAD}"/>
-              </a:ext>
-            </a:extLst>
-          </p:cNvPr>
-          <p:cNvPicPr>
-            <a:picLocks noChangeAspect="1"/>
-          </p:cNvPicPr>
-          <p:nvPr/>
-        </p:nvPicPr>
-        <p:blipFill>
-          <a:blip r:embed="rId2"/>
-          <a:stretch>
-            <a:fillRect/>
-          </a:stretch>
-        </p:blipFill>
-        <p:spPr>
-          <a:xfrm>
-            <a:off x="838199" y="1600200"/>
-            <a:ext cx="7507005" cy="2514600"/>
-          </a:xfrm>
-          <a:prstGeom prst="rect">
-            <a:avLst/>
-          </a:prstGeom>
-          <a:ln>
-            <a:solidFill>
-              <a:schemeClr val="tx1">
-                <a:lumMod val="50000"/>
-                <a:lumOff val="50000"/>
-              </a:schemeClr>
-            </a:solidFill>
-          </a:ln>
-        </p:spPr>
-      </p:pic>
-      <p:pic>
-        <p:nvPicPr>
-          <p:cNvPr id="8" name="Picture 7">
-            <a:extLst>
-              <a:ext uri="{FF2B5EF4-FFF2-40B4-BE49-F238E27FC236}">
-                <a16:creationId xmlns:a16="http://schemas.microsoft.com/office/drawing/2014/main" id="{4E2AA57D-FD19-4610-934A-6833C9CB9F44}"/>
-              </a:ext>
-            </a:extLst>
-          </p:cNvPr>
-          <p:cNvPicPr>
-            <a:picLocks noChangeAspect="1"/>
-          </p:cNvPicPr>
-          <p:nvPr/>
-        </p:nvPicPr>
-        <p:blipFill>
-          <a:blip r:embed="rId3"/>
-          <a:stretch>
-            <a:fillRect/>
-          </a:stretch>
-        </p:blipFill>
-        <p:spPr>
-          <a:xfrm>
-            <a:off x="838199" y="4697466"/>
-            <a:ext cx="6284358" cy="1322334"/>
-          </a:xfrm>
-          <a:prstGeom prst="rect">
-            <a:avLst/>
-          </a:prstGeom>
-          <a:ln>
-            <a:solidFill>
-              <a:schemeClr val="tx1">
-                <a:lumMod val="50000"/>
-                <a:lumOff val="50000"/>
-              </a:schemeClr>
-            </a:solidFill>
-          </a:ln>
-        </p:spPr>
-      </p:pic>
-    </p:spTree>
-    <p:extLst>
-      <p:ext uri="{BB962C8B-B14F-4D97-AF65-F5344CB8AC3E}">
-        <p14:creationId xmlns:p14="http://schemas.microsoft.com/office/powerpoint/2010/main" val="846049696"/>
       </p:ext>
     </p:extLst>
   </p:cSld>
@@ -7808,148 +7743,6 @@
       </p:grpSpPr>
       <p:sp>
         <p:nvSpPr>
-          <p:cNvPr id="38914" name="Title 1"/>
-          <p:cNvSpPr>
-            <a:spLocks noGrp="1"/>
-          </p:cNvSpPr>
-          <p:nvPr>
-            <p:ph type="title"/>
-          </p:nvPr>
-        </p:nvSpPr>
-        <p:spPr/>
-        <p:txBody>
-          <a:bodyPr/>
-          <a:lstStyle/>
-          <a:p>
-            <a:r>
-              <a:rPr lang="en-US" altLang="en-US"/>
-              <a:t>Single versus Multi-tenant</a:t>
-            </a:r>
-          </a:p>
-        </p:txBody>
-      </p:sp>
-      <p:sp>
-        <p:nvSpPr>
-          <p:cNvPr id="3" name="Content Placeholder 2"/>
-          <p:cNvSpPr>
-            <a:spLocks noGrp="1"/>
-          </p:cNvSpPr>
-          <p:nvPr>
-            <p:ph idx="1"/>
-          </p:nvPr>
-        </p:nvSpPr>
-        <p:spPr/>
-        <p:txBody>
-          <a:bodyPr>
-            <a:normAutofit/>
-          </a:bodyPr>
-          <a:lstStyle/>
-          <a:p>
-            <a:r>
-              <a:rPr lang="en-US" sz="2400" dirty="0"/>
-              <a:t>Single tenant application</a:t>
-            </a:r>
-          </a:p>
-          <a:p>
-            <a:pPr lvl="1"/>
-            <a:r>
-              <a:rPr lang="en-US" sz="2000" dirty="0"/>
-              <a:t>intended for use within a single organization </a:t>
-            </a:r>
-          </a:p>
-          <a:p>
-            <a:pPr lvl="1"/>
-            <a:r>
-              <a:rPr lang="en-US" sz="2000" dirty="0"/>
-              <a:t>line-of-business applications written by an Office 365 developer</a:t>
-            </a:r>
-          </a:p>
-          <a:p>
-            <a:pPr lvl="1"/>
-            <a:r>
-              <a:rPr lang="en-US" sz="2000" dirty="0"/>
-              <a:t>only needs to be accessed by users in one Office 365 tenancy</a:t>
-            </a:r>
-          </a:p>
-          <a:p>
-            <a:pPr lvl="1"/>
-            <a:r>
-              <a:rPr lang="en-US" sz="2000" dirty="0"/>
-              <a:t>typically registered by a developer in the organization</a:t>
-            </a:r>
-          </a:p>
-          <a:p>
-            <a:pPr lvl="1"/>
-            <a:endParaRPr lang="en-US" sz="2000" dirty="0"/>
-          </a:p>
-          <a:p>
-            <a:r>
-              <a:rPr lang="en-US" sz="2400" dirty="0"/>
-              <a:t>Multi-tenant application</a:t>
-            </a:r>
-          </a:p>
-          <a:p>
-            <a:pPr lvl="1"/>
-            <a:r>
-              <a:rPr lang="en-US" sz="2000" dirty="0"/>
-              <a:t>intended for use across many organizations</a:t>
-            </a:r>
-          </a:p>
-          <a:p>
-            <a:pPr lvl="1"/>
-            <a:r>
-              <a:rPr lang="en-US" sz="2000" dirty="0"/>
-              <a:t>software-as-a-service (SaaS) applications written by ISVs</a:t>
-            </a:r>
-          </a:p>
-          <a:p>
-            <a:pPr lvl="1"/>
-            <a:r>
-              <a:rPr lang="en-US" sz="2000" dirty="0"/>
-              <a:t>need to be provisioned in each directory where they will be used</a:t>
-            </a:r>
-          </a:p>
-          <a:p>
-            <a:pPr lvl="1"/>
-            <a:r>
-              <a:rPr lang="en-US" sz="2000" dirty="0"/>
-              <a:t>requires user or administrator consent to register them</a:t>
-            </a:r>
-          </a:p>
-        </p:txBody>
-      </p:sp>
-    </p:spTree>
-    <p:extLst>
-      <p:ext uri="{BB962C8B-B14F-4D97-AF65-F5344CB8AC3E}">
-        <p14:creationId xmlns:p14="http://schemas.microsoft.com/office/powerpoint/2010/main" val="4126104864"/>
-      </p:ext>
-    </p:extLst>
-  </p:cSld>
-  <p:clrMapOvr>
-    <a:masterClrMapping/>
-  </p:clrMapOvr>
-</p:sld>
-</file>
-
-<file path=ppt/slides/slide27.xml><?xml version="1.0" encoding="utf-8"?>
-<p:sld xmlns:a="http://schemas.openxmlformats.org/drawingml/2006/main" xmlns:r="http://schemas.openxmlformats.org/officeDocument/2006/relationships" xmlns:p="http://schemas.openxmlformats.org/presentationml/2006/main">
-  <p:cSld>
-    <p:spTree>
-      <p:nvGrpSpPr>
-        <p:cNvPr id="1" name=""/>
-        <p:cNvGrpSpPr/>
-        <p:nvPr/>
-      </p:nvGrpSpPr>
-      <p:grpSpPr>
-        <a:xfrm>
-          <a:off x="0" y="0"/>
-          <a:ext cx="0" cy="0"/>
-          <a:chOff x="0" y="0"/>
-          <a:chExt cx="0" cy="0"/>
-        </a:xfrm>
-      </p:grpSpPr>
-      <p:sp>
-        <p:nvSpPr>
           <p:cNvPr id="40962" name="Title 1"/>
           <p:cNvSpPr>
             <a:spLocks noGrp="1"/>
@@ -8017,7 +7810,7 @@
 </p:sld>
 </file>
 
-<file path=ppt/slides/slide28.xml><?xml version="1.0" encoding="utf-8"?>
+<file path=ppt/slides/slide27.xml><?xml version="1.0" encoding="utf-8"?>
 <p:sld xmlns:a="http://schemas.openxmlformats.org/drawingml/2006/main" xmlns:r="http://schemas.openxmlformats.org/officeDocument/2006/relationships" xmlns:p="http://schemas.openxmlformats.org/presentationml/2006/main">
   <p:cSld>
     <p:spTree>
@@ -8131,7 +7924,7 @@
 </p:sld>
 </file>
 
-<file path=ppt/slides/slide29.xml><?xml version="1.0" encoding="utf-8"?>
+<file path=ppt/slides/slide28.xml><?xml version="1.0" encoding="utf-8"?>
 <p:sld xmlns:a="http://schemas.openxmlformats.org/drawingml/2006/main" xmlns:r="http://schemas.openxmlformats.org/officeDocument/2006/relationships" xmlns:p="http://schemas.openxmlformats.org/presentationml/2006/main">
   <p:cSld>
     <p:spTree>
@@ -8304,6 +8097,203 @@
   <p:transition>
     <p:fade/>
   </p:transition>
+</p:sld>
+</file>
+
+<file path=ppt/slides/slide29.xml><?xml version="1.0" encoding="utf-8"?>
+<p:sld xmlns:a="http://schemas.openxmlformats.org/drawingml/2006/main" xmlns:r="http://schemas.openxmlformats.org/officeDocument/2006/relationships" xmlns:p="http://schemas.openxmlformats.org/presentationml/2006/main">
+  <p:cSld>
+    <p:spTree>
+      <p:nvGrpSpPr>
+        <p:cNvPr id="1" name=""/>
+        <p:cNvGrpSpPr/>
+        <p:nvPr/>
+      </p:nvGrpSpPr>
+      <p:grpSpPr>
+        <a:xfrm>
+          <a:off x="0" y="0"/>
+          <a:ext cx="0" cy="0"/>
+          <a:chOff x="0" y="0"/>
+          <a:chExt cx="0" cy="0"/>
+        </a:xfrm>
+      </p:grpSpPr>
+      <p:sp>
+        <p:nvSpPr>
+          <p:cNvPr id="2" name="Title 1">
+            <a:extLst>
+              <a:ext uri="{FF2B5EF4-FFF2-40B4-BE49-F238E27FC236}">
+                <a16:creationId xmlns:a16="http://schemas.microsoft.com/office/drawing/2014/main" id="{84CF4A9E-11DB-44C4-8FFE-B1133632BB49}"/>
+              </a:ext>
+            </a:extLst>
+          </p:cNvPr>
+          <p:cNvSpPr>
+            <a:spLocks noGrp="1"/>
+          </p:cNvSpPr>
+          <p:nvPr>
+            <p:ph type="title"/>
+          </p:nvPr>
+        </p:nvSpPr>
+        <p:spPr/>
+        <p:txBody>
+          <a:bodyPr/>
+          <a:lstStyle/>
+          <a:p>
+            <a:r>
+              <a:rPr lang="en-US"/>
+              <a:t>Access Token Acquisition (Native Client)</a:t>
+            </a:r>
+            <a:endParaRPr lang="en-US" dirty="0"/>
+          </a:p>
+        </p:txBody>
+      </p:sp>
+      <p:sp>
+        <p:nvSpPr>
+          <p:cNvPr id="9" name="Content Placeholder 8">
+            <a:extLst>
+              <a:ext uri="{FF2B5EF4-FFF2-40B4-BE49-F238E27FC236}">
+                <a16:creationId xmlns:a16="http://schemas.microsoft.com/office/drawing/2014/main" id="{AEA0EFDE-61E1-439B-BCE3-FC06358DF0C3}"/>
+              </a:ext>
+            </a:extLst>
+          </p:cNvPr>
+          <p:cNvSpPr>
+            <a:spLocks noGrp="1"/>
+          </p:cNvSpPr>
+          <p:nvPr>
+            <p:ph idx="1"/>
+          </p:nvPr>
+        </p:nvSpPr>
+        <p:spPr>
+          <a:xfrm>
+            <a:off x="346953" y="1219200"/>
+            <a:ext cx="8382000" cy="5181600"/>
+          </a:xfrm>
+        </p:spPr>
+        <p:txBody>
+          <a:bodyPr>
+            <a:noAutofit/>
+          </a:bodyPr>
+          <a:lstStyle/>
+          <a:p>
+            <a:r>
+              <a:rPr lang="en-US" sz="1800" dirty="0"/>
+              <a:t>With interactive login</a:t>
+            </a:r>
+          </a:p>
+          <a:p>
+            <a:endParaRPr lang="en-US" sz="1800" dirty="0"/>
+          </a:p>
+          <a:p>
+            <a:endParaRPr lang="en-US" sz="1800" dirty="0"/>
+          </a:p>
+          <a:p>
+            <a:endParaRPr lang="en-US" sz="1800" dirty="0"/>
+          </a:p>
+          <a:p>
+            <a:endParaRPr lang="en-US" sz="1800" dirty="0"/>
+          </a:p>
+          <a:p>
+            <a:endParaRPr lang="en-US" sz="1800" dirty="0"/>
+          </a:p>
+          <a:p>
+            <a:endParaRPr lang="en-US" sz="1800" dirty="0"/>
+          </a:p>
+          <a:p>
+            <a:endParaRPr lang="en-US" sz="1800" dirty="0"/>
+          </a:p>
+          <a:p>
+            <a:r>
+              <a:rPr lang="en-US" sz="1800" dirty="0"/>
+              <a:t>With Direct User Credentials (non-interactive)</a:t>
+            </a:r>
+          </a:p>
+        </p:txBody>
+      </p:sp>
+      <p:pic>
+        <p:nvPicPr>
+          <p:cNvPr id="4" name="Picture 3">
+            <a:extLst>
+              <a:ext uri="{FF2B5EF4-FFF2-40B4-BE49-F238E27FC236}">
+                <a16:creationId xmlns:a16="http://schemas.microsoft.com/office/drawing/2014/main" id="{535864B0-327C-4A19-9931-6695B38D0DAD}"/>
+              </a:ext>
+            </a:extLst>
+          </p:cNvPr>
+          <p:cNvPicPr>
+            <a:picLocks noChangeAspect="1"/>
+          </p:cNvPicPr>
+          <p:nvPr/>
+        </p:nvPicPr>
+        <p:blipFill>
+          <a:blip r:embed="rId2"/>
+          <a:stretch>
+            <a:fillRect/>
+          </a:stretch>
+        </p:blipFill>
+        <p:spPr>
+          <a:xfrm>
+            <a:off x="838199" y="1600200"/>
+            <a:ext cx="7507005" cy="2514600"/>
+          </a:xfrm>
+          <a:prstGeom prst="rect">
+            <a:avLst/>
+          </a:prstGeom>
+          <a:ln>
+            <a:solidFill>
+              <a:schemeClr val="tx1">
+                <a:lumMod val="50000"/>
+                <a:lumOff val="50000"/>
+              </a:schemeClr>
+            </a:solidFill>
+          </a:ln>
+        </p:spPr>
+      </p:pic>
+      <p:pic>
+        <p:nvPicPr>
+          <p:cNvPr id="8" name="Picture 7">
+            <a:extLst>
+              <a:ext uri="{FF2B5EF4-FFF2-40B4-BE49-F238E27FC236}">
+                <a16:creationId xmlns:a16="http://schemas.microsoft.com/office/drawing/2014/main" id="{4E2AA57D-FD19-4610-934A-6833C9CB9F44}"/>
+              </a:ext>
+            </a:extLst>
+          </p:cNvPr>
+          <p:cNvPicPr>
+            <a:picLocks noChangeAspect="1"/>
+          </p:cNvPicPr>
+          <p:nvPr/>
+        </p:nvPicPr>
+        <p:blipFill>
+          <a:blip r:embed="rId3"/>
+          <a:stretch>
+            <a:fillRect/>
+          </a:stretch>
+        </p:blipFill>
+        <p:spPr>
+          <a:xfrm>
+            <a:off x="838199" y="4697466"/>
+            <a:ext cx="6284358" cy="1322334"/>
+          </a:xfrm>
+          <a:prstGeom prst="rect">
+            <a:avLst/>
+          </a:prstGeom>
+          <a:ln>
+            <a:solidFill>
+              <a:schemeClr val="tx1">
+                <a:lumMod val="50000"/>
+                <a:lumOff val="50000"/>
+              </a:schemeClr>
+            </a:solidFill>
+          </a:ln>
+        </p:spPr>
+      </p:pic>
+    </p:spTree>
+    <p:extLst>
+      <p:ext uri="{BB962C8B-B14F-4D97-AF65-F5344CB8AC3E}">
+        <p14:creationId xmlns:p14="http://schemas.microsoft.com/office/powerpoint/2010/main" val="846049696"/>
+      </p:ext>
+    </p:extLst>
+  </p:cSld>
+  <p:clrMapOvr>
+    <a:masterClrMapping/>
+  </p:clrMapOvr>
 </p:sld>
 </file>
 
@@ -17960,6 +17950,15 @@
 </file>
 
 <file path=customXml/item1.xml><?xml version="1.0" encoding="utf-8"?>
+<?mso-contentType ?>
+<FormTemplates xmlns="http://schemas.microsoft.com/sharepoint/v3/contenttype/forms">
+  <Display>DocumentLibraryForm</Display>
+  <Edit>DocumentLibraryForm</Edit>
+  <New>DocumentLibraryForm</New>
+</FormTemplates>
+</file>
+
+<file path=customXml/item2.xml><?xml version="1.0" encoding="utf-8"?>
 <p:properties xmlns:p="http://schemas.microsoft.com/office/2006/metadata/properties" xmlns:xsi="http://www.w3.org/2001/XMLSchema-instance">
   <documentManagement>
     <SharedWithUsers xmlns="7c797a3d-03eb-4d3c-be85-16d2b083e41f">
@@ -17973,16 +17972,155 @@
 </p:properties>
 </file>
 
-<file path=customXml/item2.xml><?xml version="1.0" encoding="utf-8"?>
-<?mso-contentType ?>
-<FormTemplates xmlns="http://schemas.microsoft.com/sharepoint/v3/contenttype/forms">
-  <Display>DocumentLibraryForm</Display>
-  <Edit>DocumentLibraryForm</Edit>
-  <New>DocumentLibraryForm</New>
-</FormTemplates>
+<file path=customXml/item3.xml><?xml version="1.0" encoding="utf-8"?>
+<ct:contentTypeSchema xmlns:ct="http://schemas.microsoft.com/office/2006/metadata/contentType" xmlns:ma="http://schemas.microsoft.com/office/2006/metadata/properties/metaAttributes" ct:_="" ma:_="" ma:contentTypeName="Document" ma:contentTypeID="0x010100BAF5C66E64744B4EBDF83E18D5BE3570" ma:contentTypeVersion="2" ma:contentTypeDescription="Create a new document." ma:contentTypeScope="" ma:versionID="8194b865fee850dbf0034213c33a0c27">
+  <xsd:schema xmlns:xsd="http://www.w3.org/2001/XMLSchema" xmlns:xs="http://www.w3.org/2001/XMLSchema" xmlns:p="http://schemas.microsoft.com/office/2006/metadata/properties" xmlns:ns2="7c797a3d-03eb-4d3c-be85-16d2b083e41f" targetNamespace="http://schemas.microsoft.com/office/2006/metadata/properties" ma:root="true" ma:fieldsID="fc29e25cffe643e46e3e73e307edf536" ns2:_="">
+    <xsd:import namespace="7c797a3d-03eb-4d3c-be85-16d2b083e41f"/>
+    <xsd:element name="properties">
+      <xsd:complexType>
+        <xsd:sequence>
+          <xsd:element name="documentManagement">
+            <xsd:complexType>
+              <xsd:all>
+                <xsd:element ref="ns2:SharedWithUsers" minOccurs="0"/>
+                <xsd:element ref="ns2:SharedWithDetails" minOccurs="0"/>
+              </xsd:all>
+            </xsd:complexType>
+          </xsd:element>
+        </xsd:sequence>
+      </xsd:complexType>
+    </xsd:element>
+  </xsd:schema>
+  <xsd:schema xmlns:xsd="http://www.w3.org/2001/XMLSchema" xmlns:xs="http://www.w3.org/2001/XMLSchema" xmlns:dms="http://schemas.microsoft.com/office/2006/documentManagement/types" xmlns:pc="http://schemas.microsoft.com/office/infopath/2007/PartnerControls" targetNamespace="7c797a3d-03eb-4d3c-be85-16d2b083e41f" elementFormDefault="qualified">
+    <xsd:import namespace="http://schemas.microsoft.com/office/2006/documentManagement/types"/>
+    <xsd:import namespace="http://schemas.microsoft.com/office/infopath/2007/PartnerControls"/>
+    <xsd:element name="SharedWithUsers" ma:index="8" nillable="true" ma:displayName="Shared With" ma:description="" ma:internalName="SharedWithUsers" ma:readOnly="true">
+      <xsd:complexType>
+        <xsd:complexContent>
+          <xsd:extension base="dms:UserMulti">
+            <xsd:sequence>
+              <xsd:element name="UserInfo" minOccurs="0" maxOccurs="unbounded">
+                <xsd:complexType>
+                  <xsd:sequence>
+                    <xsd:element name="DisplayName" type="xsd:string" minOccurs="0"/>
+                    <xsd:element name="AccountId" type="dms:UserId" minOccurs="0" nillable="true"/>
+                    <xsd:element name="AccountType" type="xsd:string" minOccurs="0"/>
+                  </xsd:sequence>
+                </xsd:complexType>
+              </xsd:element>
+            </xsd:sequence>
+          </xsd:extension>
+        </xsd:complexContent>
+      </xsd:complexType>
+    </xsd:element>
+    <xsd:element name="SharedWithDetails" ma:index="9" nillable="true" ma:displayName="Shared With Details" ma:description="" ma:internalName="SharedWithDetails" ma:readOnly="true">
+      <xsd:simpleType>
+        <xsd:restriction base="dms:Note">
+          <xsd:maxLength value="255"/>
+        </xsd:restriction>
+      </xsd:simpleType>
+    </xsd:element>
+  </xsd:schema>
+  <xsd:schema xmlns="http://schemas.openxmlformats.org/package/2006/metadata/core-properties" xmlns:xsd="http://www.w3.org/2001/XMLSchema" xmlns:xsi="http://www.w3.org/2001/XMLSchema-instance" xmlns:dc="http://purl.org/dc/elements/1.1/" xmlns:dcterms="http://purl.org/dc/terms/" xmlns:odoc="http://schemas.microsoft.com/internal/obd" targetNamespace="http://schemas.openxmlformats.org/package/2006/metadata/core-properties" elementFormDefault="qualified" attributeFormDefault="unqualified" blockDefault="#all">
+    <xsd:import namespace="http://purl.org/dc/elements/1.1/" schemaLocation="http://dublincore.org/schemas/xmls/qdc/2003/04/02/dc.xsd"/>
+    <xsd:import namespace="http://purl.org/dc/terms/" schemaLocation="http://dublincore.org/schemas/xmls/qdc/2003/04/02/dcterms.xsd"/>
+    <xsd:element name="coreProperties" type="CT_coreProperties"/>
+    <xsd:complexType name="CT_coreProperties">
+      <xsd:all>
+        <xsd:element ref="dc:creator" minOccurs="0" maxOccurs="1"/>
+        <xsd:element ref="dcterms:created" minOccurs="0" maxOccurs="1"/>
+        <xsd:element ref="dc:identifier" minOccurs="0" maxOccurs="1"/>
+        <xsd:element name="contentType" minOccurs="0" maxOccurs="1" type="xsd:string" ma:index="0" ma:displayName="Content Type"/>
+        <xsd:element ref="dc:title" minOccurs="0" maxOccurs="1" ma:index="4" ma:displayName="Title"/>
+        <xsd:element ref="dc:subject" minOccurs="0" maxOccurs="1"/>
+        <xsd:element ref="dc:description" minOccurs="0" maxOccurs="1"/>
+        <xsd:element name="keywords" minOccurs="0" maxOccurs="1" type="xsd:string"/>
+        <xsd:element ref="dc:language" minOccurs="0" maxOccurs="1"/>
+        <xsd:element name="category" minOccurs="0" maxOccurs="1" type="xsd:string"/>
+        <xsd:element name="version" minOccurs="0" maxOccurs="1" type="xsd:string"/>
+        <xsd:element name="revision" minOccurs="0" maxOccurs="1" type="xsd:string">
+          <xsd:annotation>
+            <xsd:documentation>
+                        This value indicates the number of saves or revisions. The application is responsible for updating this value after each revision.
+                    </xsd:documentation>
+          </xsd:annotation>
+        </xsd:element>
+        <xsd:element name="lastModifiedBy" minOccurs="0" maxOccurs="1" type="xsd:string"/>
+        <xsd:element ref="dcterms:modified" minOccurs="0" maxOccurs="1"/>
+        <xsd:element name="contentStatus" minOccurs="0" maxOccurs="1" type="xsd:string"/>
+      </xsd:all>
+    </xsd:complexType>
+  </xsd:schema>
+  <xs:schema xmlns:pc="http://schemas.microsoft.com/office/infopath/2007/PartnerControls" xmlns:xs="http://www.w3.org/2001/XMLSchema" targetNamespace="http://schemas.microsoft.com/office/infopath/2007/PartnerControls" elementFormDefault="qualified" attributeFormDefault="unqualified">
+    <xs:element name="Person">
+      <xs:complexType>
+        <xs:sequence>
+          <xs:element ref="pc:DisplayName" minOccurs="0"/>
+          <xs:element ref="pc:AccountId" minOccurs="0"/>
+          <xs:element ref="pc:AccountType" minOccurs="0"/>
+        </xs:sequence>
+      </xs:complexType>
+    </xs:element>
+    <xs:element name="DisplayName" type="xs:string"/>
+    <xs:element name="AccountId" type="xs:string"/>
+    <xs:element name="AccountType" type="xs:string"/>
+    <xs:element name="BDCAssociatedEntity">
+      <xs:complexType>
+        <xs:sequence>
+          <xs:element ref="pc:BDCEntity" minOccurs="0" maxOccurs="unbounded"/>
+        </xs:sequence>
+        <xs:attribute ref="pc:EntityNamespace"/>
+        <xs:attribute ref="pc:EntityName"/>
+        <xs:attribute ref="pc:SystemInstanceName"/>
+        <xs:attribute ref="pc:AssociationName"/>
+      </xs:complexType>
+    </xs:element>
+    <xs:attribute name="EntityNamespace" type="xs:string"/>
+    <xs:attribute name="EntityName" type="xs:string"/>
+    <xs:attribute name="SystemInstanceName" type="xs:string"/>
+    <xs:attribute name="AssociationName" type="xs:string"/>
+    <xs:element name="BDCEntity">
+      <xs:complexType>
+        <xs:sequence>
+          <xs:element ref="pc:EntityDisplayName" minOccurs="0"/>
+          <xs:element ref="pc:EntityInstanceReference" minOccurs="0"/>
+          <xs:element ref="pc:EntityId1" minOccurs="0"/>
+          <xs:element ref="pc:EntityId2" minOccurs="0"/>
+          <xs:element ref="pc:EntityId3" minOccurs="0"/>
+          <xs:element ref="pc:EntityId4" minOccurs="0"/>
+          <xs:element ref="pc:EntityId5" minOccurs="0"/>
+        </xs:sequence>
+      </xs:complexType>
+    </xs:element>
+    <xs:element name="EntityDisplayName" type="xs:string"/>
+    <xs:element name="EntityInstanceReference" type="xs:string"/>
+    <xs:element name="EntityId1" type="xs:string"/>
+    <xs:element name="EntityId2" type="xs:string"/>
+    <xs:element name="EntityId3" type="xs:string"/>
+    <xs:element name="EntityId4" type="xs:string"/>
+    <xs:element name="EntityId5" type="xs:string"/>
+    <xs:element name="Terms">
+      <xs:complexType>
+        <xs:sequence>
+          <xs:element ref="pc:TermInfo" minOccurs="0" maxOccurs="unbounded"/>
+        </xs:sequence>
+      </xs:complexType>
+    </xs:element>
+    <xs:element name="TermInfo">
+      <xs:complexType>
+        <xs:sequence>
+          <xs:element ref="pc:TermName" minOccurs="0"/>
+          <xs:element ref="pc:TermId" minOccurs="0"/>
+        </xs:sequence>
+      </xs:complexType>
+    </xs:element>
+    <xs:element name="TermName" type="xs:string"/>
+    <xs:element name="TermId" type="xs:string"/>
+  </xs:schema>
+</ct:contentTypeSchema>
 </file>
 
-<file path=customXml/item3.xml><?xml version="1.0" encoding="utf-8"?>
+<file path=customXml/item4.xml><?xml version="1.0" encoding="utf-8"?>
 <outs:outSpaceData xmlns:outs="http://schemas.microsoft.com/office/2009/outspace/metadata">
   <outs:relatedDates>
     <outs:relatedDate>
@@ -18132,155 +18270,15 @@
 </outs:outSpaceData>
 </file>
 
-<file path=customXml/item4.xml><?xml version="1.0" encoding="utf-8"?>
-<ct:contentTypeSchema xmlns:ct="http://schemas.microsoft.com/office/2006/metadata/contentType" xmlns:ma="http://schemas.microsoft.com/office/2006/metadata/properties/metaAttributes" ct:_="" ma:_="" ma:contentTypeName="Document" ma:contentTypeID="0x010100BAF5C66E64744B4EBDF83E18D5BE3570" ma:contentTypeVersion="2" ma:contentTypeDescription="Create a new document." ma:contentTypeScope="" ma:versionID="8194b865fee850dbf0034213c33a0c27">
-  <xsd:schema xmlns:xsd="http://www.w3.org/2001/XMLSchema" xmlns:xs="http://www.w3.org/2001/XMLSchema" xmlns:p="http://schemas.microsoft.com/office/2006/metadata/properties" xmlns:ns2="7c797a3d-03eb-4d3c-be85-16d2b083e41f" targetNamespace="http://schemas.microsoft.com/office/2006/metadata/properties" ma:root="true" ma:fieldsID="fc29e25cffe643e46e3e73e307edf536" ns2:_="">
-    <xsd:import namespace="7c797a3d-03eb-4d3c-be85-16d2b083e41f"/>
-    <xsd:element name="properties">
-      <xsd:complexType>
-        <xsd:sequence>
-          <xsd:element name="documentManagement">
-            <xsd:complexType>
-              <xsd:all>
-                <xsd:element ref="ns2:SharedWithUsers" minOccurs="0"/>
-                <xsd:element ref="ns2:SharedWithDetails" minOccurs="0"/>
-              </xsd:all>
-            </xsd:complexType>
-          </xsd:element>
-        </xsd:sequence>
-      </xsd:complexType>
-    </xsd:element>
-  </xsd:schema>
-  <xsd:schema xmlns:xsd="http://www.w3.org/2001/XMLSchema" xmlns:xs="http://www.w3.org/2001/XMLSchema" xmlns:dms="http://schemas.microsoft.com/office/2006/documentManagement/types" xmlns:pc="http://schemas.microsoft.com/office/infopath/2007/PartnerControls" targetNamespace="7c797a3d-03eb-4d3c-be85-16d2b083e41f" elementFormDefault="qualified">
-    <xsd:import namespace="http://schemas.microsoft.com/office/2006/documentManagement/types"/>
-    <xsd:import namespace="http://schemas.microsoft.com/office/infopath/2007/PartnerControls"/>
-    <xsd:element name="SharedWithUsers" ma:index="8" nillable="true" ma:displayName="Shared With" ma:description="" ma:internalName="SharedWithUsers" ma:readOnly="true">
-      <xsd:complexType>
-        <xsd:complexContent>
-          <xsd:extension base="dms:UserMulti">
-            <xsd:sequence>
-              <xsd:element name="UserInfo" minOccurs="0" maxOccurs="unbounded">
-                <xsd:complexType>
-                  <xsd:sequence>
-                    <xsd:element name="DisplayName" type="xsd:string" minOccurs="0"/>
-                    <xsd:element name="AccountId" type="dms:UserId" minOccurs="0" nillable="true"/>
-                    <xsd:element name="AccountType" type="xsd:string" minOccurs="0"/>
-                  </xsd:sequence>
-                </xsd:complexType>
-              </xsd:element>
-            </xsd:sequence>
-          </xsd:extension>
-        </xsd:complexContent>
-      </xsd:complexType>
-    </xsd:element>
-    <xsd:element name="SharedWithDetails" ma:index="9" nillable="true" ma:displayName="Shared With Details" ma:description="" ma:internalName="SharedWithDetails" ma:readOnly="true">
-      <xsd:simpleType>
-        <xsd:restriction base="dms:Note">
-          <xsd:maxLength value="255"/>
-        </xsd:restriction>
-      </xsd:simpleType>
-    </xsd:element>
-  </xsd:schema>
-  <xsd:schema xmlns="http://schemas.openxmlformats.org/package/2006/metadata/core-properties" xmlns:xsd="http://www.w3.org/2001/XMLSchema" xmlns:xsi="http://www.w3.org/2001/XMLSchema-instance" xmlns:dc="http://purl.org/dc/elements/1.1/" xmlns:dcterms="http://purl.org/dc/terms/" xmlns:odoc="http://schemas.microsoft.com/internal/obd" targetNamespace="http://schemas.openxmlformats.org/package/2006/metadata/core-properties" elementFormDefault="qualified" attributeFormDefault="unqualified" blockDefault="#all">
-    <xsd:import namespace="http://purl.org/dc/elements/1.1/" schemaLocation="http://dublincore.org/schemas/xmls/qdc/2003/04/02/dc.xsd"/>
-    <xsd:import namespace="http://purl.org/dc/terms/" schemaLocation="http://dublincore.org/schemas/xmls/qdc/2003/04/02/dcterms.xsd"/>
-    <xsd:element name="coreProperties" type="CT_coreProperties"/>
-    <xsd:complexType name="CT_coreProperties">
-      <xsd:all>
-        <xsd:element ref="dc:creator" minOccurs="0" maxOccurs="1"/>
-        <xsd:element ref="dcterms:created" minOccurs="0" maxOccurs="1"/>
-        <xsd:element ref="dc:identifier" minOccurs="0" maxOccurs="1"/>
-        <xsd:element name="contentType" minOccurs="0" maxOccurs="1" type="xsd:string" ma:index="0" ma:displayName="Content Type"/>
-        <xsd:element ref="dc:title" minOccurs="0" maxOccurs="1" ma:index="4" ma:displayName="Title"/>
-        <xsd:element ref="dc:subject" minOccurs="0" maxOccurs="1"/>
-        <xsd:element ref="dc:description" minOccurs="0" maxOccurs="1"/>
-        <xsd:element name="keywords" minOccurs="0" maxOccurs="1" type="xsd:string"/>
-        <xsd:element ref="dc:language" minOccurs="0" maxOccurs="1"/>
-        <xsd:element name="category" minOccurs="0" maxOccurs="1" type="xsd:string"/>
-        <xsd:element name="version" minOccurs="0" maxOccurs="1" type="xsd:string"/>
-        <xsd:element name="revision" minOccurs="0" maxOccurs="1" type="xsd:string">
-          <xsd:annotation>
-            <xsd:documentation>
-                        This value indicates the number of saves or revisions. The application is responsible for updating this value after each revision.
-                    </xsd:documentation>
-          </xsd:annotation>
-        </xsd:element>
-        <xsd:element name="lastModifiedBy" minOccurs="0" maxOccurs="1" type="xsd:string"/>
-        <xsd:element ref="dcterms:modified" minOccurs="0" maxOccurs="1"/>
-        <xsd:element name="contentStatus" minOccurs="0" maxOccurs="1" type="xsd:string"/>
-      </xsd:all>
-    </xsd:complexType>
-  </xsd:schema>
-  <xs:schema xmlns:pc="http://schemas.microsoft.com/office/infopath/2007/PartnerControls" xmlns:xs="http://www.w3.org/2001/XMLSchema" targetNamespace="http://schemas.microsoft.com/office/infopath/2007/PartnerControls" elementFormDefault="qualified" attributeFormDefault="unqualified">
-    <xs:element name="Person">
-      <xs:complexType>
-        <xs:sequence>
-          <xs:element ref="pc:DisplayName" minOccurs="0"/>
-          <xs:element ref="pc:AccountId" minOccurs="0"/>
-          <xs:element ref="pc:AccountType" minOccurs="0"/>
-        </xs:sequence>
-      </xs:complexType>
-    </xs:element>
-    <xs:element name="DisplayName" type="xs:string"/>
-    <xs:element name="AccountId" type="xs:string"/>
-    <xs:element name="AccountType" type="xs:string"/>
-    <xs:element name="BDCAssociatedEntity">
-      <xs:complexType>
-        <xs:sequence>
-          <xs:element ref="pc:BDCEntity" minOccurs="0" maxOccurs="unbounded"/>
-        </xs:sequence>
-        <xs:attribute ref="pc:EntityNamespace"/>
-        <xs:attribute ref="pc:EntityName"/>
-        <xs:attribute ref="pc:SystemInstanceName"/>
-        <xs:attribute ref="pc:AssociationName"/>
-      </xs:complexType>
-    </xs:element>
-    <xs:attribute name="EntityNamespace" type="xs:string"/>
-    <xs:attribute name="EntityName" type="xs:string"/>
-    <xs:attribute name="SystemInstanceName" type="xs:string"/>
-    <xs:attribute name="AssociationName" type="xs:string"/>
-    <xs:element name="BDCEntity">
-      <xs:complexType>
-        <xs:sequence>
-          <xs:element ref="pc:EntityDisplayName" minOccurs="0"/>
-          <xs:element ref="pc:EntityInstanceReference" minOccurs="0"/>
-          <xs:element ref="pc:EntityId1" minOccurs="0"/>
-          <xs:element ref="pc:EntityId2" minOccurs="0"/>
-          <xs:element ref="pc:EntityId3" minOccurs="0"/>
-          <xs:element ref="pc:EntityId4" minOccurs="0"/>
-          <xs:element ref="pc:EntityId5" minOccurs="0"/>
-        </xs:sequence>
-      </xs:complexType>
-    </xs:element>
-    <xs:element name="EntityDisplayName" type="xs:string"/>
-    <xs:element name="EntityInstanceReference" type="xs:string"/>
-    <xs:element name="EntityId1" type="xs:string"/>
-    <xs:element name="EntityId2" type="xs:string"/>
-    <xs:element name="EntityId3" type="xs:string"/>
-    <xs:element name="EntityId4" type="xs:string"/>
-    <xs:element name="EntityId5" type="xs:string"/>
-    <xs:element name="Terms">
-      <xs:complexType>
-        <xs:sequence>
-          <xs:element ref="pc:TermInfo" minOccurs="0" maxOccurs="unbounded"/>
-        </xs:sequence>
-      </xs:complexType>
-    </xs:element>
-    <xs:element name="TermInfo">
-      <xs:complexType>
-        <xs:sequence>
-          <xs:element ref="pc:TermName" minOccurs="0"/>
-          <xs:element ref="pc:TermId" minOccurs="0"/>
-        </xs:sequence>
-      </xs:complexType>
-    </xs:element>
-    <xs:element name="TermName" type="xs:string"/>
-    <xs:element name="TermId" type="xs:string"/>
-  </xs:schema>
-</ct:contentTypeSchema>
+<file path=customXml/itemProps1.xml><?xml version="1.0" encoding="utf-8"?>
+<ds:datastoreItem xmlns:ds="http://schemas.openxmlformats.org/officeDocument/2006/customXml" ds:itemID="{6034B84F-8F8E-48B7-9EFF-C7DE1A66BD73}">
+  <ds:schemaRefs>
+    <ds:schemaRef ds:uri="http://schemas.microsoft.com/sharepoint/v3/contenttype/forms"/>
+  </ds:schemaRefs>
+</ds:datastoreItem>
 </file>
 
-<file path=customXml/itemProps1.xml><?xml version="1.0" encoding="utf-8"?>
+<file path=customXml/itemProps2.xml><?xml version="1.0" encoding="utf-8"?>
 <ds:datastoreItem xmlns:ds="http://schemas.openxmlformats.org/officeDocument/2006/customXml" ds:itemID="{A5547237-B119-45CA-BEFC-A2DA2BDB03E7}">
   <ds:schemaRefs>
     <ds:schemaRef ds:uri="http://www.w3.org/XML/1998/namespace"/>
@@ -18296,23 +18294,7 @@
 </ds:datastoreItem>
 </file>
 
-<file path=customXml/itemProps2.xml><?xml version="1.0" encoding="utf-8"?>
-<ds:datastoreItem xmlns:ds="http://schemas.openxmlformats.org/officeDocument/2006/customXml" ds:itemID="{6034B84F-8F8E-48B7-9EFF-C7DE1A66BD73}">
-  <ds:schemaRefs>
-    <ds:schemaRef ds:uri="http://schemas.microsoft.com/sharepoint/v3/contenttype/forms"/>
-  </ds:schemaRefs>
-</ds:datastoreItem>
-</file>
-
 <file path=customXml/itemProps3.xml><?xml version="1.0" encoding="utf-8"?>
-<ds:datastoreItem xmlns:ds="http://schemas.openxmlformats.org/officeDocument/2006/customXml" ds:itemID="{8865FC99-B6BD-4E98-8312-F4F432C217EA}">
-  <ds:schemaRefs>
-    <ds:schemaRef ds:uri="http://schemas.microsoft.com/office/2009/outspace/metadata"/>
-  </ds:schemaRefs>
-</ds:datastoreItem>
-</file>
-
-<file path=customXml/itemProps4.xml><?xml version="1.0" encoding="utf-8"?>
 <ds:datastoreItem xmlns:ds="http://schemas.openxmlformats.org/officeDocument/2006/customXml" ds:itemID="{F9BF3018-CB75-4188-9EA6-EC92BDAE1F16}">
   <ds:schemaRefs>
     <ds:schemaRef ds:uri="http://schemas.microsoft.com/office/2006/metadata/contentType"/>
@@ -18328,4 +18310,12 @@
     <ds:schemaRef ds:uri="http://schemas.microsoft.com/internal/obd"/>
   </ds:schemaRefs>
 </ds:datastoreItem>
+</file>
+
+<file path=customXml/itemProps4.xml><?xml version="1.0" encoding="utf-8"?>
+<ds:datastoreItem xmlns:ds="http://schemas.openxmlformats.org/officeDocument/2006/customXml" ds:itemID="{8865FC99-B6BD-4E98-8312-F4F432C217EA}">
+  <ds:schemaRefs>
+    <ds:schemaRef ds:uri="http://schemas.microsoft.com/office/2009/outspace/metadata"/>
+  </ds:schemaRefs>
+</ds:datastoreItem>
 </file>